--- a/presentation/Reservation assistant.pptx
+++ b/presentation/Reservation assistant.pptx
@@ -15,36 +15,38 @@
     <p:sldId id="265" r:id="rId12"/>
     <p:sldId id="266" r:id="rId13"/>
     <p:sldId id="267" r:id="rId14"/>
-    <p:sldId id="268" r:id="rId15"/>
-    <p:sldId id="269" r:id="rId16"/>
-    <p:sldId id="270" r:id="rId17"/>
-    <p:sldId id="271" r:id="rId18"/>
+    <p:sldId id="272" r:id="rId15"/>
+    <p:sldId id="273" r:id="rId16"/>
+    <p:sldId id="268" r:id="rId17"/>
+    <p:sldId id="269" r:id="rId18"/>
+    <p:sldId id="270" r:id="rId19"/>
+    <p:sldId id="271" r:id="rId20"/>
   </p:sldIdLst>
   <p:sldSz cx="9144000" cy="6858000" type="screen4x3"/>
   <p:notesSz cx="6858000" cy="9144000"/>
   <p:embeddedFontLst>
     <p:embeddedFont>
       <p:font typeface="굴림" panose="020B0600000101010101" pitchFamily="34" charset="-127"/>
-      <p:regular r:id="rId19"/>
+      <p:regular r:id="rId21"/>
     </p:embeddedFont>
     <p:embeddedFont>
       <p:font typeface="-윤고딕120" panose="020B0604020202020204" charset="-127"/>
-      <p:regular r:id="rId20"/>
+      <p:regular r:id="rId22"/>
     </p:embeddedFont>
     <p:embeddedFont>
       <p:font typeface="-윤고딕140" panose="020B0604020202020204" charset="-127"/>
-      <p:regular r:id="rId21"/>
+      <p:regular r:id="rId23"/>
     </p:embeddedFont>
     <p:embeddedFont>
       <p:font typeface="Arial Black" panose="020B0A04020102020204" pitchFamily="34" charset="0"/>
-      <p:bold r:id="rId22"/>
+      <p:bold r:id="rId24"/>
     </p:embeddedFont>
     <p:embeddedFont>
       <p:font typeface="Arial Narrow" panose="020B0606020202030204" pitchFamily="34" charset="0"/>
-      <p:regular r:id="rId23"/>
-      <p:bold r:id="rId24"/>
-      <p:italic r:id="rId25"/>
-      <p:boldItalic r:id="rId26"/>
+      <p:regular r:id="rId25"/>
+      <p:bold r:id="rId26"/>
+      <p:italic r:id="rId27"/>
+      <p:boldItalic r:id="rId28"/>
     </p:embeddedFont>
   </p:embeddedFontLst>
   <p:defaultTextStyle>
@@ -4461,6 +4463,278 @@
       </p:sp>
       <p:sp>
         <p:nvSpPr>
+          <p:cNvPr id="11" name="2 Marcador de contenido">
+            <a:extLst>
+              <a:ext uri="{FF2B5EF4-FFF2-40B4-BE49-F238E27FC236}">
+                <a16:creationId xmlns:a16="http://schemas.microsoft.com/office/drawing/2014/main" id="{EE27B2E4-0E7B-2A12-FE28-B0B016CF7707}"/>
+              </a:ext>
+            </a:extLst>
+          </p:cNvPr>
+          <p:cNvSpPr txBox="1">
+            <a:spLocks/>
+          </p:cNvSpPr>
+          <p:nvPr/>
+        </p:nvSpPr>
+        <p:spPr bwMode="auto">
+          <a:xfrm>
+            <a:off x="395536" y="1340768"/>
+            <a:ext cx="864096" cy="360040"/>
+          </a:xfrm>
+          <a:prstGeom prst="rect">
+            <a:avLst/>
+          </a:prstGeom>
+          <a:noFill/>
+          <a:ln w="9525">
+            <a:noFill/>
+            <a:miter lim="800000"/>
+            <a:headEnd/>
+            <a:tailEnd/>
+          </a:ln>
+          <a:effectLst/>
+        </p:spPr>
+        <p:txBody>
+          <a:bodyPr vert="horz" wrap="square" lIns="91440" tIns="45720" rIns="91440" bIns="45720" numCol="1" anchor="t" anchorCtr="0" compatLnSpc="1">
+            <a:prstTxWarp prst="textNoShape">
+              <a:avLst/>
+            </a:prstTxWarp>
+          </a:bodyPr>
+          <a:lstStyle>
+            <a:lvl1pPr marL="342900" indent="-342900" algn="l" rtl="0" eaLnBrk="1" fontAlgn="base" latinLnBrk="1" hangingPunct="1">
+              <a:spcBef>
+                <a:spcPct val="20000"/>
+              </a:spcBef>
+              <a:spcAft>
+                <a:spcPct val="0"/>
+              </a:spcAft>
+              <a:buChar char="•"/>
+              <a:defRPr kumimoji="1" sz="2500" b="1" cap="none" spc="0">
+                <a:ln w="12700">
+                  <a:solidFill>
+                    <a:schemeClr val="tx2">
+                      <a:satMod val="155000"/>
+                    </a:schemeClr>
+                  </a:solidFill>
+                  <a:prstDash val="solid"/>
+                </a:ln>
+                <a:solidFill>
+                  <a:srgbClr val="CCFFCC"/>
+                </a:solidFill>
+                <a:effectLst>
+                  <a:outerShdw blurRad="41275" dist="20320" dir="1800000" algn="tl" rotWithShape="0">
+                    <a:srgbClr val="000000">
+                      <a:alpha val="40000"/>
+                    </a:srgbClr>
+                  </a:outerShdw>
+                </a:effectLst>
+                <a:latin typeface="Arial Narrow" pitchFamily="34" charset="0"/>
+                <a:ea typeface="+mn-ea"/>
+                <a:cs typeface="+mn-cs"/>
+              </a:defRPr>
+            </a:lvl1pPr>
+            <a:lvl2pPr marL="742950" indent="-285750" algn="l" rtl="0" eaLnBrk="1" fontAlgn="base" latinLnBrk="1" hangingPunct="1">
+              <a:spcBef>
+                <a:spcPct val="20000"/>
+              </a:spcBef>
+              <a:spcAft>
+                <a:spcPct val="0"/>
+              </a:spcAft>
+              <a:buChar char="•"/>
+              <a:defRPr kumimoji="1" sz="2200" b="1" cap="none" spc="0">
+                <a:ln w="12700">
+                  <a:solidFill>
+                    <a:schemeClr val="tx2">
+                      <a:satMod val="155000"/>
+                    </a:schemeClr>
+                  </a:solidFill>
+                  <a:prstDash val="solid"/>
+                </a:ln>
+                <a:solidFill>
+                  <a:srgbClr val="CCFFCC"/>
+                </a:solidFill>
+                <a:effectLst>
+                  <a:outerShdw blurRad="41275" dist="20320" dir="1800000" algn="tl" rotWithShape="0">
+                    <a:srgbClr val="000000">
+                      <a:alpha val="40000"/>
+                    </a:srgbClr>
+                  </a:outerShdw>
+                </a:effectLst>
+                <a:latin typeface="Arial Narrow" pitchFamily="34" charset="0"/>
+                <a:ea typeface="+mn-ea"/>
+              </a:defRPr>
+            </a:lvl2pPr>
+            <a:lvl3pPr marL="1143000" indent="-228600" algn="l" rtl="0" eaLnBrk="1" fontAlgn="base" latinLnBrk="1" hangingPunct="1">
+              <a:spcBef>
+                <a:spcPct val="20000"/>
+              </a:spcBef>
+              <a:spcAft>
+                <a:spcPct val="0"/>
+              </a:spcAft>
+              <a:buChar char="•"/>
+              <a:defRPr kumimoji="1" b="1" cap="none" spc="0">
+                <a:ln w="12700">
+                  <a:solidFill>
+                    <a:schemeClr val="tx2">
+                      <a:satMod val="155000"/>
+                    </a:schemeClr>
+                  </a:solidFill>
+                  <a:prstDash val="solid"/>
+                </a:ln>
+                <a:solidFill>
+                  <a:srgbClr val="CCFFCC"/>
+                </a:solidFill>
+                <a:effectLst>
+                  <a:outerShdw blurRad="41275" dist="20320" dir="1800000" algn="tl" rotWithShape="0">
+                    <a:srgbClr val="000000">
+                      <a:alpha val="40000"/>
+                    </a:srgbClr>
+                  </a:outerShdw>
+                </a:effectLst>
+                <a:latin typeface="Arial Narrow" pitchFamily="34" charset="0"/>
+                <a:ea typeface="+mn-ea"/>
+              </a:defRPr>
+            </a:lvl3pPr>
+            <a:lvl4pPr marL="1600200" indent="-228600" algn="l" rtl="0" eaLnBrk="1" fontAlgn="base" latinLnBrk="1" hangingPunct="1">
+              <a:spcBef>
+                <a:spcPct val="20000"/>
+              </a:spcBef>
+              <a:spcAft>
+                <a:spcPct val="0"/>
+              </a:spcAft>
+              <a:buChar char="•"/>
+              <a:defRPr kumimoji="1" sz="1500" b="1" cap="none" spc="0">
+                <a:ln w="12700">
+                  <a:solidFill>
+                    <a:schemeClr val="tx2">
+                      <a:satMod val="155000"/>
+                    </a:schemeClr>
+                  </a:solidFill>
+                  <a:prstDash val="solid"/>
+                </a:ln>
+                <a:solidFill>
+                  <a:srgbClr val="CCFFCC"/>
+                </a:solidFill>
+                <a:effectLst>
+                  <a:outerShdw blurRad="41275" dist="20320" dir="1800000" algn="tl" rotWithShape="0">
+                    <a:srgbClr val="000000">
+                      <a:alpha val="40000"/>
+                    </a:srgbClr>
+                  </a:outerShdw>
+                </a:effectLst>
+                <a:latin typeface="Arial Narrow" pitchFamily="34" charset="0"/>
+                <a:ea typeface="+mn-ea"/>
+              </a:defRPr>
+            </a:lvl4pPr>
+            <a:lvl5pPr marL="2057400" indent="-228600" algn="l" rtl="0" eaLnBrk="1" fontAlgn="base" latinLnBrk="1" hangingPunct="1">
+              <a:spcBef>
+                <a:spcPct val="20000"/>
+              </a:spcBef>
+              <a:spcAft>
+                <a:spcPct val="0"/>
+              </a:spcAft>
+              <a:buChar char="•"/>
+              <a:defRPr kumimoji="1" sz="1200" b="1" cap="none" spc="0">
+                <a:ln w="12700">
+                  <a:solidFill>
+                    <a:schemeClr val="tx2">
+                      <a:satMod val="155000"/>
+                    </a:schemeClr>
+                  </a:solidFill>
+                  <a:prstDash val="solid"/>
+                </a:ln>
+                <a:solidFill>
+                  <a:srgbClr val="CCFFCC"/>
+                </a:solidFill>
+                <a:effectLst>
+                  <a:outerShdw blurRad="41275" dist="20320" dir="1800000" algn="tl" rotWithShape="0">
+                    <a:srgbClr val="000000">
+                      <a:alpha val="40000"/>
+                    </a:srgbClr>
+                  </a:outerShdw>
+                </a:effectLst>
+                <a:latin typeface="Arial Narrow" pitchFamily="34" charset="0"/>
+                <a:ea typeface="+mn-ea"/>
+              </a:defRPr>
+            </a:lvl5pPr>
+            <a:lvl6pPr marL="2514600" indent="-228600" algn="l" rtl="0" eaLnBrk="1" fontAlgn="base" latinLnBrk="1" hangingPunct="1">
+              <a:spcBef>
+                <a:spcPct val="20000"/>
+              </a:spcBef>
+              <a:spcAft>
+                <a:spcPct val="0"/>
+              </a:spcAft>
+              <a:buChar char="•"/>
+              <a:defRPr kumimoji="1" sz="1200">
+                <a:solidFill>
+                  <a:schemeClr val="bg1"/>
+                </a:solidFill>
+                <a:latin typeface="+mn-lt"/>
+                <a:ea typeface="+mn-ea"/>
+              </a:defRPr>
+            </a:lvl6pPr>
+            <a:lvl7pPr marL="2971800" indent="-228600" algn="l" rtl="0" eaLnBrk="1" fontAlgn="base" latinLnBrk="1" hangingPunct="1">
+              <a:spcBef>
+                <a:spcPct val="20000"/>
+              </a:spcBef>
+              <a:spcAft>
+                <a:spcPct val="0"/>
+              </a:spcAft>
+              <a:buChar char="•"/>
+              <a:defRPr kumimoji="1" sz="1200">
+                <a:solidFill>
+                  <a:schemeClr val="bg1"/>
+                </a:solidFill>
+                <a:latin typeface="+mn-lt"/>
+                <a:ea typeface="+mn-ea"/>
+              </a:defRPr>
+            </a:lvl7pPr>
+            <a:lvl8pPr marL="3429000" indent="-228600" algn="l" rtl="0" eaLnBrk="1" fontAlgn="base" latinLnBrk="1" hangingPunct="1">
+              <a:spcBef>
+                <a:spcPct val="20000"/>
+              </a:spcBef>
+              <a:spcAft>
+                <a:spcPct val="0"/>
+              </a:spcAft>
+              <a:buChar char="•"/>
+              <a:defRPr kumimoji="1" sz="1200">
+                <a:solidFill>
+                  <a:schemeClr val="bg1"/>
+                </a:solidFill>
+                <a:latin typeface="+mn-lt"/>
+                <a:ea typeface="+mn-ea"/>
+              </a:defRPr>
+            </a:lvl8pPr>
+            <a:lvl9pPr marL="3886200" indent="-228600" algn="l" rtl="0" eaLnBrk="1" fontAlgn="base" latinLnBrk="1" hangingPunct="1">
+              <a:spcBef>
+                <a:spcPct val="20000"/>
+              </a:spcBef>
+              <a:spcAft>
+                <a:spcPct val="0"/>
+              </a:spcAft>
+              <a:buChar char="•"/>
+              <a:defRPr kumimoji="1" sz="1200">
+                <a:solidFill>
+                  <a:schemeClr val="bg1"/>
+                </a:solidFill>
+                <a:latin typeface="+mn-lt"/>
+                <a:ea typeface="+mn-ea"/>
+              </a:defRPr>
+            </a:lvl9pPr>
+          </a:lstStyle>
+          <a:p>
+            <a:pPr marL="0" indent="0">
+              <a:buFontTx/>
+              <a:buNone/>
+            </a:pPr>
+            <a:r>
+              <a:rPr lang="ru-RU" sz="1600" kern="0" dirty="0"/>
+              <a:t>О боте:</a:t>
+            </a:r>
+            <a:endParaRPr lang="es-ES" sz="1600" kern="0" dirty="0"/>
+          </a:p>
+        </p:txBody>
+      </p:sp>
+      <p:sp>
+        <p:nvSpPr>
           <p:cNvPr id="14" name="2 Marcador de contenido">
             <a:extLst>
               <a:ext uri="{FF2B5EF4-FFF2-40B4-BE49-F238E27FC236}">
@@ -4475,7 +4749,1669 @@
         </p:nvSpPr>
         <p:spPr bwMode="auto">
           <a:xfrm>
-            <a:off x="611560" y="1988840"/>
+            <a:off x="2339752" y="908720"/>
+            <a:ext cx="4248472" cy="360040"/>
+          </a:xfrm>
+          <a:prstGeom prst="rect">
+            <a:avLst/>
+          </a:prstGeom>
+          <a:noFill/>
+          <a:ln w="9525">
+            <a:noFill/>
+            <a:miter lim="800000"/>
+            <a:headEnd/>
+            <a:tailEnd/>
+          </a:ln>
+          <a:effectLst/>
+        </p:spPr>
+        <p:txBody>
+          <a:bodyPr vert="horz" wrap="square" lIns="91440" tIns="45720" rIns="91440" bIns="45720" numCol="1" anchor="t" anchorCtr="0" compatLnSpc="1">
+            <a:prstTxWarp prst="textNoShape">
+              <a:avLst/>
+            </a:prstTxWarp>
+          </a:bodyPr>
+          <a:lstStyle>
+            <a:lvl1pPr marL="342900" indent="-342900" algn="l" rtl="0" eaLnBrk="1" fontAlgn="base" latinLnBrk="1" hangingPunct="1">
+              <a:spcBef>
+                <a:spcPct val="20000"/>
+              </a:spcBef>
+              <a:spcAft>
+                <a:spcPct val="0"/>
+              </a:spcAft>
+              <a:buChar char="•"/>
+              <a:defRPr kumimoji="1" sz="2500" b="1" cap="none" spc="0">
+                <a:ln w="12700">
+                  <a:solidFill>
+                    <a:schemeClr val="tx2">
+                      <a:satMod val="155000"/>
+                    </a:schemeClr>
+                  </a:solidFill>
+                  <a:prstDash val="solid"/>
+                </a:ln>
+                <a:solidFill>
+                  <a:srgbClr val="CCFFCC"/>
+                </a:solidFill>
+                <a:effectLst>
+                  <a:outerShdw blurRad="41275" dist="20320" dir="1800000" algn="tl" rotWithShape="0">
+                    <a:srgbClr val="000000">
+                      <a:alpha val="40000"/>
+                    </a:srgbClr>
+                  </a:outerShdw>
+                </a:effectLst>
+                <a:latin typeface="Arial Narrow" pitchFamily="34" charset="0"/>
+                <a:ea typeface="+mn-ea"/>
+                <a:cs typeface="+mn-cs"/>
+              </a:defRPr>
+            </a:lvl1pPr>
+            <a:lvl2pPr marL="742950" indent="-285750" algn="l" rtl="0" eaLnBrk="1" fontAlgn="base" latinLnBrk="1" hangingPunct="1">
+              <a:spcBef>
+                <a:spcPct val="20000"/>
+              </a:spcBef>
+              <a:spcAft>
+                <a:spcPct val="0"/>
+              </a:spcAft>
+              <a:buChar char="•"/>
+              <a:defRPr kumimoji="1" sz="2200" b="1" cap="none" spc="0">
+                <a:ln w="12700">
+                  <a:solidFill>
+                    <a:schemeClr val="tx2">
+                      <a:satMod val="155000"/>
+                    </a:schemeClr>
+                  </a:solidFill>
+                  <a:prstDash val="solid"/>
+                </a:ln>
+                <a:solidFill>
+                  <a:srgbClr val="CCFFCC"/>
+                </a:solidFill>
+                <a:effectLst>
+                  <a:outerShdw blurRad="41275" dist="20320" dir="1800000" algn="tl" rotWithShape="0">
+                    <a:srgbClr val="000000">
+                      <a:alpha val="40000"/>
+                    </a:srgbClr>
+                  </a:outerShdw>
+                </a:effectLst>
+                <a:latin typeface="Arial Narrow" pitchFamily="34" charset="0"/>
+                <a:ea typeface="+mn-ea"/>
+              </a:defRPr>
+            </a:lvl2pPr>
+            <a:lvl3pPr marL="1143000" indent="-228600" algn="l" rtl="0" eaLnBrk="1" fontAlgn="base" latinLnBrk="1" hangingPunct="1">
+              <a:spcBef>
+                <a:spcPct val="20000"/>
+              </a:spcBef>
+              <a:spcAft>
+                <a:spcPct val="0"/>
+              </a:spcAft>
+              <a:buChar char="•"/>
+              <a:defRPr kumimoji="1" b="1" cap="none" spc="0">
+                <a:ln w="12700">
+                  <a:solidFill>
+                    <a:schemeClr val="tx2">
+                      <a:satMod val="155000"/>
+                    </a:schemeClr>
+                  </a:solidFill>
+                  <a:prstDash val="solid"/>
+                </a:ln>
+                <a:solidFill>
+                  <a:srgbClr val="CCFFCC"/>
+                </a:solidFill>
+                <a:effectLst>
+                  <a:outerShdw blurRad="41275" dist="20320" dir="1800000" algn="tl" rotWithShape="0">
+                    <a:srgbClr val="000000">
+                      <a:alpha val="40000"/>
+                    </a:srgbClr>
+                  </a:outerShdw>
+                </a:effectLst>
+                <a:latin typeface="Arial Narrow" pitchFamily="34" charset="0"/>
+                <a:ea typeface="+mn-ea"/>
+              </a:defRPr>
+            </a:lvl3pPr>
+            <a:lvl4pPr marL="1600200" indent="-228600" algn="l" rtl="0" eaLnBrk="1" fontAlgn="base" latinLnBrk="1" hangingPunct="1">
+              <a:spcBef>
+                <a:spcPct val="20000"/>
+              </a:spcBef>
+              <a:spcAft>
+                <a:spcPct val="0"/>
+              </a:spcAft>
+              <a:buChar char="•"/>
+              <a:defRPr kumimoji="1" sz="1500" b="1" cap="none" spc="0">
+                <a:ln w="12700">
+                  <a:solidFill>
+                    <a:schemeClr val="tx2">
+                      <a:satMod val="155000"/>
+                    </a:schemeClr>
+                  </a:solidFill>
+                  <a:prstDash val="solid"/>
+                </a:ln>
+                <a:solidFill>
+                  <a:srgbClr val="CCFFCC"/>
+                </a:solidFill>
+                <a:effectLst>
+                  <a:outerShdw blurRad="41275" dist="20320" dir="1800000" algn="tl" rotWithShape="0">
+                    <a:srgbClr val="000000">
+                      <a:alpha val="40000"/>
+                    </a:srgbClr>
+                  </a:outerShdw>
+                </a:effectLst>
+                <a:latin typeface="Arial Narrow" pitchFamily="34" charset="0"/>
+                <a:ea typeface="+mn-ea"/>
+              </a:defRPr>
+            </a:lvl4pPr>
+            <a:lvl5pPr marL="2057400" indent="-228600" algn="l" rtl="0" eaLnBrk="1" fontAlgn="base" latinLnBrk="1" hangingPunct="1">
+              <a:spcBef>
+                <a:spcPct val="20000"/>
+              </a:spcBef>
+              <a:spcAft>
+                <a:spcPct val="0"/>
+              </a:spcAft>
+              <a:buChar char="•"/>
+              <a:defRPr kumimoji="1" sz="1200" b="1" cap="none" spc="0">
+                <a:ln w="12700">
+                  <a:solidFill>
+                    <a:schemeClr val="tx2">
+                      <a:satMod val="155000"/>
+                    </a:schemeClr>
+                  </a:solidFill>
+                  <a:prstDash val="solid"/>
+                </a:ln>
+                <a:solidFill>
+                  <a:srgbClr val="CCFFCC"/>
+                </a:solidFill>
+                <a:effectLst>
+                  <a:outerShdw blurRad="41275" dist="20320" dir="1800000" algn="tl" rotWithShape="0">
+                    <a:srgbClr val="000000">
+                      <a:alpha val="40000"/>
+                    </a:srgbClr>
+                  </a:outerShdw>
+                </a:effectLst>
+                <a:latin typeface="Arial Narrow" pitchFamily="34" charset="0"/>
+                <a:ea typeface="+mn-ea"/>
+              </a:defRPr>
+            </a:lvl5pPr>
+            <a:lvl6pPr marL="2514600" indent="-228600" algn="l" rtl="0" eaLnBrk="1" fontAlgn="base" latinLnBrk="1" hangingPunct="1">
+              <a:spcBef>
+                <a:spcPct val="20000"/>
+              </a:spcBef>
+              <a:spcAft>
+                <a:spcPct val="0"/>
+              </a:spcAft>
+              <a:buChar char="•"/>
+              <a:defRPr kumimoji="1" sz="1200">
+                <a:solidFill>
+                  <a:schemeClr val="bg1"/>
+                </a:solidFill>
+                <a:latin typeface="+mn-lt"/>
+                <a:ea typeface="+mn-ea"/>
+              </a:defRPr>
+            </a:lvl6pPr>
+            <a:lvl7pPr marL="2971800" indent="-228600" algn="l" rtl="0" eaLnBrk="1" fontAlgn="base" latinLnBrk="1" hangingPunct="1">
+              <a:spcBef>
+                <a:spcPct val="20000"/>
+              </a:spcBef>
+              <a:spcAft>
+                <a:spcPct val="0"/>
+              </a:spcAft>
+              <a:buChar char="•"/>
+              <a:defRPr kumimoji="1" sz="1200">
+                <a:solidFill>
+                  <a:schemeClr val="bg1"/>
+                </a:solidFill>
+                <a:latin typeface="+mn-lt"/>
+                <a:ea typeface="+mn-ea"/>
+              </a:defRPr>
+            </a:lvl7pPr>
+            <a:lvl8pPr marL="3429000" indent="-228600" algn="l" rtl="0" eaLnBrk="1" fontAlgn="base" latinLnBrk="1" hangingPunct="1">
+              <a:spcBef>
+                <a:spcPct val="20000"/>
+              </a:spcBef>
+              <a:spcAft>
+                <a:spcPct val="0"/>
+              </a:spcAft>
+              <a:buChar char="•"/>
+              <a:defRPr kumimoji="1" sz="1200">
+                <a:solidFill>
+                  <a:schemeClr val="bg1"/>
+                </a:solidFill>
+                <a:latin typeface="+mn-lt"/>
+                <a:ea typeface="+mn-ea"/>
+              </a:defRPr>
+            </a:lvl8pPr>
+            <a:lvl9pPr marL="3886200" indent="-228600" algn="l" rtl="0" eaLnBrk="1" fontAlgn="base" latinLnBrk="1" hangingPunct="1">
+              <a:spcBef>
+                <a:spcPct val="20000"/>
+              </a:spcBef>
+              <a:spcAft>
+                <a:spcPct val="0"/>
+              </a:spcAft>
+              <a:buChar char="•"/>
+              <a:defRPr kumimoji="1" sz="1200">
+                <a:solidFill>
+                  <a:schemeClr val="bg1"/>
+                </a:solidFill>
+                <a:latin typeface="+mn-lt"/>
+                <a:ea typeface="+mn-ea"/>
+              </a:defRPr>
+            </a:lvl9pPr>
+          </a:lstStyle>
+          <a:p>
+            <a:pPr marL="0" indent="0" algn="ctr">
+              <a:buFontTx/>
+              <a:buNone/>
+            </a:pPr>
+            <a:r>
+              <a:rPr lang="ru-RU" sz="1600" kern="0" dirty="0"/>
+              <a:t>Посмотреть немного полезной информации:</a:t>
+            </a:r>
+            <a:endParaRPr lang="es-ES" sz="1600" kern="0" dirty="0"/>
+          </a:p>
+        </p:txBody>
+      </p:sp>
+      <p:pic>
+        <p:nvPicPr>
+          <p:cNvPr id="27" name="Рисунок 26">
+            <a:extLst>
+              <a:ext uri="{FF2B5EF4-FFF2-40B4-BE49-F238E27FC236}">
+                <a16:creationId xmlns:a16="http://schemas.microsoft.com/office/drawing/2014/main" id="{A221F6EB-C918-0BD1-F48B-D11FA5AFBE4C}"/>
+              </a:ext>
+            </a:extLst>
+          </p:cNvPr>
+          <p:cNvPicPr>
+            <a:picLocks noChangeAspect="1"/>
+          </p:cNvPicPr>
+          <p:nvPr/>
+        </p:nvPicPr>
+        <p:blipFill>
+          <a:blip r:embed="rId2">
+            <a:extLst>
+              <a:ext uri="{28A0092B-C50C-407E-A947-70E740481C1C}">
+                <a14:useLocalDpi xmlns:a14="http://schemas.microsoft.com/office/drawing/2010/main" val="0"/>
+              </a:ext>
+            </a:extLst>
+          </a:blip>
+          <a:stretch>
+            <a:fillRect/>
+          </a:stretch>
+        </p:blipFill>
+        <p:spPr>
+          <a:xfrm>
+            <a:off x="323528" y="1772816"/>
+            <a:ext cx="3512738" cy="3168352"/>
+          </a:xfrm>
+          <a:prstGeom prst="rect">
+            <a:avLst/>
+          </a:prstGeom>
+        </p:spPr>
+      </p:pic>
+      <p:pic>
+        <p:nvPicPr>
+          <p:cNvPr id="29" name="Рисунок 28">
+            <a:extLst>
+              <a:ext uri="{FF2B5EF4-FFF2-40B4-BE49-F238E27FC236}">
+                <a16:creationId xmlns:a16="http://schemas.microsoft.com/office/drawing/2014/main" id="{EED38EC0-529B-E8DB-9718-D1E216FC8CEC}"/>
+              </a:ext>
+            </a:extLst>
+          </p:cNvPr>
+          <p:cNvPicPr>
+            <a:picLocks noChangeAspect="1"/>
+          </p:cNvPicPr>
+          <p:nvPr/>
+        </p:nvPicPr>
+        <p:blipFill>
+          <a:blip r:embed="rId3">
+            <a:extLst>
+              <a:ext uri="{28A0092B-C50C-407E-A947-70E740481C1C}">
+                <a14:useLocalDpi xmlns:a14="http://schemas.microsoft.com/office/drawing/2010/main" val="0"/>
+              </a:ext>
+            </a:extLst>
+          </a:blip>
+          <a:stretch>
+            <a:fillRect/>
+          </a:stretch>
+        </p:blipFill>
+        <p:spPr>
+          <a:xfrm>
+            <a:off x="5580112" y="1772816"/>
+            <a:ext cx="3024336" cy="3413934"/>
+          </a:xfrm>
+          <a:prstGeom prst="rect">
+            <a:avLst/>
+          </a:prstGeom>
+        </p:spPr>
+      </p:pic>
+      <p:pic>
+        <p:nvPicPr>
+          <p:cNvPr id="31" name="Рисунок 30">
+            <a:extLst>
+              <a:ext uri="{FF2B5EF4-FFF2-40B4-BE49-F238E27FC236}">
+                <a16:creationId xmlns:a16="http://schemas.microsoft.com/office/drawing/2014/main" id="{38E64F6D-6BB3-97FA-9C4F-5783103E24C1}"/>
+              </a:ext>
+            </a:extLst>
+          </p:cNvPr>
+          <p:cNvPicPr>
+            <a:picLocks noChangeAspect="1"/>
+          </p:cNvPicPr>
+          <p:nvPr/>
+        </p:nvPicPr>
+        <p:blipFill>
+          <a:blip r:embed="rId4">
+            <a:extLst>
+              <a:ext uri="{28A0092B-C50C-407E-A947-70E740481C1C}">
+                <a14:useLocalDpi xmlns:a14="http://schemas.microsoft.com/office/drawing/2010/main" val="0"/>
+              </a:ext>
+            </a:extLst>
+          </a:blip>
+          <a:stretch>
+            <a:fillRect/>
+          </a:stretch>
+        </p:blipFill>
+        <p:spPr>
+          <a:xfrm>
+            <a:off x="2627784" y="3212976"/>
+            <a:ext cx="3888432" cy="3453541"/>
+          </a:xfrm>
+          <a:prstGeom prst="rect">
+            <a:avLst/>
+          </a:prstGeom>
+        </p:spPr>
+      </p:pic>
+      <p:sp>
+        <p:nvSpPr>
+          <p:cNvPr id="32" name="2 Marcador de contenido">
+            <a:extLst>
+              <a:ext uri="{FF2B5EF4-FFF2-40B4-BE49-F238E27FC236}">
+                <a16:creationId xmlns:a16="http://schemas.microsoft.com/office/drawing/2014/main" id="{AC391AE0-D14A-B317-755F-32E03DD3E9FC}"/>
+              </a:ext>
+            </a:extLst>
+          </p:cNvPr>
+          <p:cNvSpPr txBox="1">
+            <a:spLocks/>
+          </p:cNvSpPr>
+          <p:nvPr/>
+        </p:nvSpPr>
+        <p:spPr bwMode="auto">
+          <a:xfrm>
+            <a:off x="5580112" y="1340768"/>
+            <a:ext cx="1800200" cy="360040"/>
+          </a:xfrm>
+          <a:prstGeom prst="rect">
+            <a:avLst/>
+          </a:prstGeom>
+          <a:noFill/>
+          <a:ln w="9525">
+            <a:noFill/>
+            <a:miter lim="800000"/>
+            <a:headEnd/>
+            <a:tailEnd/>
+          </a:ln>
+          <a:effectLst/>
+        </p:spPr>
+        <p:txBody>
+          <a:bodyPr vert="horz" wrap="square" lIns="91440" tIns="45720" rIns="91440" bIns="45720" numCol="1" anchor="t" anchorCtr="0" compatLnSpc="1">
+            <a:prstTxWarp prst="textNoShape">
+              <a:avLst/>
+            </a:prstTxWarp>
+          </a:bodyPr>
+          <a:lstStyle>
+            <a:lvl1pPr marL="342900" indent="-342900" algn="l" rtl="0" eaLnBrk="1" fontAlgn="base" latinLnBrk="1" hangingPunct="1">
+              <a:spcBef>
+                <a:spcPct val="20000"/>
+              </a:spcBef>
+              <a:spcAft>
+                <a:spcPct val="0"/>
+              </a:spcAft>
+              <a:buChar char="•"/>
+              <a:defRPr kumimoji="1" sz="2500" b="1" cap="none" spc="0">
+                <a:ln w="12700">
+                  <a:solidFill>
+                    <a:schemeClr val="tx2">
+                      <a:satMod val="155000"/>
+                    </a:schemeClr>
+                  </a:solidFill>
+                  <a:prstDash val="solid"/>
+                </a:ln>
+                <a:solidFill>
+                  <a:srgbClr val="CCFFCC"/>
+                </a:solidFill>
+                <a:effectLst>
+                  <a:outerShdw blurRad="41275" dist="20320" dir="1800000" algn="tl" rotWithShape="0">
+                    <a:srgbClr val="000000">
+                      <a:alpha val="40000"/>
+                    </a:srgbClr>
+                  </a:outerShdw>
+                </a:effectLst>
+                <a:latin typeface="Arial Narrow" pitchFamily="34" charset="0"/>
+                <a:ea typeface="+mn-ea"/>
+                <a:cs typeface="+mn-cs"/>
+              </a:defRPr>
+            </a:lvl1pPr>
+            <a:lvl2pPr marL="742950" indent="-285750" algn="l" rtl="0" eaLnBrk="1" fontAlgn="base" latinLnBrk="1" hangingPunct="1">
+              <a:spcBef>
+                <a:spcPct val="20000"/>
+              </a:spcBef>
+              <a:spcAft>
+                <a:spcPct val="0"/>
+              </a:spcAft>
+              <a:buChar char="•"/>
+              <a:defRPr kumimoji="1" sz="2200" b="1" cap="none" spc="0">
+                <a:ln w="12700">
+                  <a:solidFill>
+                    <a:schemeClr val="tx2">
+                      <a:satMod val="155000"/>
+                    </a:schemeClr>
+                  </a:solidFill>
+                  <a:prstDash val="solid"/>
+                </a:ln>
+                <a:solidFill>
+                  <a:srgbClr val="CCFFCC"/>
+                </a:solidFill>
+                <a:effectLst>
+                  <a:outerShdw blurRad="41275" dist="20320" dir="1800000" algn="tl" rotWithShape="0">
+                    <a:srgbClr val="000000">
+                      <a:alpha val="40000"/>
+                    </a:srgbClr>
+                  </a:outerShdw>
+                </a:effectLst>
+                <a:latin typeface="Arial Narrow" pitchFamily="34" charset="0"/>
+                <a:ea typeface="+mn-ea"/>
+              </a:defRPr>
+            </a:lvl2pPr>
+            <a:lvl3pPr marL="1143000" indent="-228600" algn="l" rtl="0" eaLnBrk="1" fontAlgn="base" latinLnBrk="1" hangingPunct="1">
+              <a:spcBef>
+                <a:spcPct val="20000"/>
+              </a:spcBef>
+              <a:spcAft>
+                <a:spcPct val="0"/>
+              </a:spcAft>
+              <a:buChar char="•"/>
+              <a:defRPr kumimoji="1" b="1" cap="none" spc="0">
+                <a:ln w="12700">
+                  <a:solidFill>
+                    <a:schemeClr val="tx2">
+                      <a:satMod val="155000"/>
+                    </a:schemeClr>
+                  </a:solidFill>
+                  <a:prstDash val="solid"/>
+                </a:ln>
+                <a:solidFill>
+                  <a:srgbClr val="CCFFCC"/>
+                </a:solidFill>
+                <a:effectLst>
+                  <a:outerShdw blurRad="41275" dist="20320" dir="1800000" algn="tl" rotWithShape="0">
+                    <a:srgbClr val="000000">
+                      <a:alpha val="40000"/>
+                    </a:srgbClr>
+                  </a:outerShdw>
+                </a:effectLst>
+                <a:latin typeface="Arial Narrow" pitchFamily="34" charset="0"/>
+                <a:ea typeface="+mn-ea"/>
+              </a:defRPr>
+            </a:lvl3pPr>
+            <a:lvl4pPr marL="1600200" indent="-228600" algn="l" rtl="0" eaLnBrk="1" fontAlgn="base" latinLnBrk="1" hangingPunct="1">
+              <a:spcBef>
+                <a:spcPct val="20000"/>
+              </a:spcBef>
+              <a:spcAft>
+                <a:spcPct val="0"/>
+              </a:spcAft>
+              <a:buChar char="•"/>
+              <a:defRPr kumimoji="1" sz="1500" b="1" cap="none" spc="0">
+                <a:ln w="12700">
+                  <a:solidFill>
+                    <a:schemeClr val="tx2">
+                      <a:satMod val="155000"/>
+                    </a:schemeClr>
+                  </a:solidFill>
+                  <a:prstDash val="solid"/>
+                </a:ln>
+                <a:solidFill>
+                  <a:srgbClr val="CCFFCC"/>
+                </a:solidFill>
+                <a:effectLst>
+                  <a:outerShdw blurRad="41275" dist="20320" dir="1800000" algn="tl" rotWithShape="0">
+                    <a:srgbClr val="000000">
+                      <a:alpha val="40000"/>
+                    </a:srgbClr>
+                  </a:outerShdw>
+                </a:effectLst>
+                <a:latin typeface="Arial Narrow" pitchFamily="34" charset="0"/>
+                <a:ea typeface="+mn-ea"/>
+              </a:defRPr>
+            </a:lvl4pPr>
+            <a:lvl5pPr marL="2057400" indent="-228600" algn="l" rtl="0" eaLnBrk="1" fontAlgn="base" latinLnBrk="1" hangingPunct="1">
+              <a:spcBef>
+                <a:spcPct val="20000"/>
+              </a:spcBef>
+              <a:spcAft>
+                <a:spcPct val="0"/>
+              </a:spcAft>
+              <a:buChar char="•"/>
+              <a:defRPr kumimoji="1" sz="1200" b="1" cap="none" spc="0">
+                <a:ln w="12700">
+                  <a:solidFill>
+                    <a:schemeClr val="tx2">
+                      <a:satMod val="155000"/>
+                    </a:schemeClr>
+                  </a:solidFill>
+                  <a:prstDash val="solid"/>
+                </a:ln>
+                <a:solidFill>
+                  <a:srgbClr val="CCFFCC"/>
+                </a:solidFill>
+                <a:effectLst>
+                  <a:outerShdw blurRad="41275" dist="20320" dir="1800000" algn="tl" rotWithShape="0">
+                    <a:srgbClr val="000000">
+                      <a:alpha val="40000"/>
+                    </a:srgbClr>
+                  </a:outerShdw>
+                </a:effectLst>
+                <a:latin typeface="Arial Narrow" pitchFamily="34" charset="0"/>
+                <a:ea typeface="+mn-ea"/>
+              </a:defRPr>
+            </a:lvl5pPr>
+            <a:lvl6pPr marL="2514600" indent="-228600" algn="l" rtl="0" eaLnBrk="1" fontAlgn="base" latinLnBrk="1" hangingPunct="1">
+              <a:spcBef>
+                <a:spcPct val="20000"/>
+              </a:spcBef>
+              <a:spcAft>
+                <a:spcPct val="0"/>
+              </a:spcAft>
+              <a:buChar char="•"/>
+              <a:defRPr kumimoji="1" sz="1200">
+                <a:solidFill>
+                  <a:schemeClr val="bg1"/>
+                </a:solidFill>
+                <a:latin typeface="+mn-lt"/>
+                <a:ea typeface="+mn-ea"/>
+              </a:defRPr>
+            </a:lvl6pPr>
+            <a:lvl7pPr marL="2971800" indent="-228600" algn="l" rtl="0" eaLnBrk="1" fontAlgn="base" latinLnBrk="1" hangingPunct="1">
+              <a:spcBef>
+                <a:spcPct val="20000"/>
+              </a:spcBef>
+              <a:spcAft>
+                <a:spcPct val="0"/>
+              </a:spcAft>
+              <a:buChar char="•"/>
+              <a:defRPr kumimoji="1" sz="1200">
+                <a:solidFill>
+                  <a:schemeClr val="bg1"/>
+                </a:solidFill>
+                <a:latin typeface="+mn-lt"/>
+                <a:ea typeface="+mn-ea"/>
+              </a:defRPr>
+            </a:lvl7pPr>
+            <a:lvl8pPr marL="3429000" indent="-228600" algn="l" rtl="0" eaLnBrk="1" fontAlgn="base" latinLnBrk="1" hangingPunct="1">
+              <a:spcBef>
+                <a:spcPct val="20000"/>
+              </a:spcBef>
+              <a:spcAft>
+                <a:spcPct val="0"/>
+              </a:spcAft>
+              <a:buChar char="•"/>
+              <a:defRPr kumimoji="1" sz="1200">
+                <a:solidFill>
+                  <a:schemeClr val="bg1"/>
+                </a:solidFill>
+                <a:latin typeface="+mn-lt"/>
+                <a:ea typeface="+mn-ea"/>
+              </a:defRPr>
+            </a:lvl8pPr>
+            <a:lvl9pPr marL="3886200" indent="-228600" algn="l" rtl="0" eaLnBrk="1" fontAlgn="base" latinLnBrk="1" hangingPunct="1">
+              <a:spcBef>
+                <a:spcPct val="20000"/>
+              </a:spcBef>
+              <a:spcAft>
+                <a:spcPct val="0"/>
+              </a:spcAft>
+              <a:buChar char="•"/>
+              <a:defRPr kumimoji="1" sz="1200">
+                <a:solidFill>
+                  <a:schemeClr val="bg1"/>
+                </a:solidFill>
+                <a:latin typeface="+mn-lt"/>
+                <a:ea typeface="+mn-ea"/>
+              </a:defRPr>
+            </a:lvl9pPr>
+          </a:lstStyle>
+          <a:p>
+            <a:pPr marL="0" indent="0">
+              <a:buFontTx/>
+              <a:buNone/>
+            </a:pPr>
+            <a:r>
+              <a:rPr lang="ru-RU" sz="1600" kern="0" dirty="0"/>
+              <a:t>О мастере:</a:t>
+            </a:r>
+            <a:endParaRPr lang="es-ES" sz="1600" kern="0" dirty="0"/>
+          </a:p>
+        </p:txBody>
+      </p:sp>
+      <p:sp>
+        <p:nvSpPr>
+          <p:cNvPr id="33" name="2 Marcador de contenido">
+            <a:extLst>
+              <a:ext uri="{FF2B5EF4-FFF2-40B4-BE49-F238E27FC236}">
+                <a16:creationId xmlns:a16="http://schemas.microsoft.com/office/drawing/2014/main" id="{6AA42691-02DE-FB6A-1B8F-EC6BFEB80A82}"/>
+              </a:ext>
+            </a:extLst>
+          </p:cNvPr>
+          <p:cNvSpPr txBox="1">
+            <a:spLocks/>
+          </p:cNvSpPr>
+          <p:nvPr/>
+        </p:nvSpPr>
+        <p:spPr bwMode="auto">
+          <a:xfrm>
+            <a:off x="3995936" y="2780928"/>
+            <a:ext cx="1800200" cy="360040"/>
+          </a:xfrm>
+          <a:prstGeom prst="rect">
+            <a:avLst/>
+          </a:prstGeom>
+          <a:noFill/>
+          <a:ln w="9525">
+            <a:noFill/>
+            <a:miter lim="800000"/>
+            <a:headEnd/>
+            <a:tailEnd/>
+          </a:ln>
+          <a:effectLst/>
+        </p:spPr>
+        <p:txBody>
+          <a:bodyPr vert="horz" wrap="square" lIns="91440" tIns="45720" rIns="91440" bIns="45720" numCol="1" anchor="t" anchorCtr="0" compatLnSpc="1">
+            <a:prstTxWarp prst="textNoShape">
+              <a:avLst/>
+            </a:prstTxWarp>
+          </a:bodyPr>
+          <a:lstStyle>
+            <a:lvl1pPr marL="342900" indent="-342900" algn="l" rtl="0" eaLnBrk="1" fontAlgn="base" latinLnBrk="1" hangingPunct="1">
+              <a:spcBef>
+                <a:spcPct val="20000"/>
+              </a:spcBef>
+              <a:spcAft>
+                <a:spcPct val="0"/>
+              </a:spcAft>
+              <a:buChar char="•"/>
+              <a:defRPr kumimoji="1" sz="2500" b="1" cap="none" spc="0">
+                <a:ln w="12700">
+                  <a:solidFill>
+                    <a:schemeClr val="tx2">
+                      <a:satMod val="155000"/>
+                    </a:schemeClr>
+                  </a:solidFill>
+                  <a:prstDash val="solid"/>
+                </a:ln>
+                <a:solidFill>
+                  <a:srgbClr val="CCFFCC"/>
+                </a:solidFill>
+                <a:effectLst>
+                  <a:outerShdw blurRad="41275" dist="20320" dir="1800000" algn="tl" rotWithShape="0">
+                    <a:srgbClr val="000000">
+                      <a:alpha val="40000"/>
+                    </a:srgbClr>
+                  </a:outerShdw>
+                </a:effectLst>
+                <a:latin typeface="Arial Narrow" pitchFamily="34" charset="0"/>
+                <a:ea typeface="+mn-ea"/>
+                <a:cs typeface="+mn-cs"/>
+              </a:defRPr>
+            </a:lvl1pPr>
+            <a:lvl2pPr marL="742950" indent="-285750" algn="l" rtl="0" eaLnBrk="1" fontAlgn="base" latinLnBrk="1" hangingPunct="1">
+              <a:spcBef>
+                <a:spcPct val="20000"/>
+              </a:spcBef>
+              <a:spcAft>
+                <a:spcPct val="0"/>
+              </a:spcAft>
+              <a:buChar char="•"/>
+              <a:defRPr kumimoji="1" sz="2200" b="1" cap="none" spc="0">
+                <a:ln w="12700">
+                  <a:solidFill>
+                    <a:schemeClr val="tx2">
+                      <a:satMod val="155000"/>
+                    </a:schemeClr>
+                  </a:solidFill>
+                  <a:prstDash val="solid"/>
+                </a:ln>
+                <a:solidFill>
+                  <a:srgbClr val="CCFFCC"/>
+                </a:solidFill>
+                <a:effectLst>
+                  <a:outerShdw blurRad="41275" dist="20320" dir="1800000" algn="tl" rotWithShape="0">
+                    <a:srgbClr val="000000">
+                      <a:alpha val="40000"/>
+                    </a:srgbClr>
+                  </a:outerShdw>
+                </a:effectLst>
+                <a:latin typeface="Arial Narrow" pitchFamily="34" charset="0"/>
+                <a:ea typeface="+mn-ea"/>
+              </a:defRPr>
+            </a:lvl2pPr>
+            <a:lvl3pPr marL="1143000" indent="-228600" algn="l" rtl="0" eaLnBrk="1" fontAlgn="base" latinLnBrk="1" hangingPunct="1">
+              <a:spcBef>
+                <a:spcPct val="20000"/>
+              </a:spcBef>
+              <a:spcAft>
+                <a:spcPct val="0"/>
+              </a:spcAft>
+              <a:buChar char="•"/>
+              <a:defRPr kumimoji="1" b="1" cap="none" spc="0">
+                <a:ln w="12700">
+                  <a:solidFill>
+                    <a:schemeClr val="tx2">
+                      <a:satMod val="155000"/>
+                    </a:schemeClr>
+                  </a:solidFill>
+                  <a:prstDash val="solid"/>
+                </a:ln>
+                <a:solidFill>
+                  <a:srgbClr val="CCFFCC"/>
+                </a:solidFill>
+                <a:effectLst>
+                  <a:outerShdw blurRad="41275" dist="20320" dir="1800000" algn="tl" rotWithShape="0">
+                    <a:srgbClr val="000000">
+                      <a:alpha val="40000"/>
+                    </a:srgbClr>
+                  </a:outerShdw>
+                </a:effectLst>
+                <a:latin typeface="Arial Narrow" pitchFamily="34" charset="0"/>
+                <a:ea typeface="+mn-ea"/>
+              </a:defRPr>
+            </a:lvl3pPr>
+            <a:lvl4pPr marL="1600200" indent="-228600" algn="l" rtl="0" eaLnBrk="1" fontAlgn="base" latinLnBrk="1" hangingPunct="1">
+              <a:spcBef>
+                <a:spcPct val="20000"/>
+              </a:spcBef>
+              <a:spcAft>
+                <a:spcPct val="0"/>
+              </a:spcAft>
+              <a:buChar char="•"/>
+              <a:defRPr kumimoji="1" sz="1500" b="1" cap="none" spc="0">
+                <a:ln w="12700">
+                  <a:solidFill>
+                    <a:schemeClr val="tx2">
+                      <a:satMod val="155000"/>
+                    </a:schemeClr>
+                  </a:solidFill>
+                  <a:prstDash val="solid"/>
+                </a:ln>
+                <a:solidFill>
+                  <a:srgbClr val="CCFFCC"/>
+                </a:solidFill>
+                <a:effectLst>
+                  <a:outerShdw blurRad="41275" dist="20320" dir="1800000" algn="tl" rotWithShape="0">
+                    <a:srgbClr val="000000">
+                      <a:alpha val="40000"/>
+                    </a:srgbClr>
+                  </a:outerShdw>
+                </a:effectLst>
+                <a:latin typeface="Arial Narrow" pitchFamily="34" charset="0"/>
+                <a:ea typeface="+mn-ea"/>
+              </a:defRPr>
+            </a:lvl4pPr>
+            <a:lvl5pPr marL="2057400" indent="-228600" algn="l" rtl="0" eaLnBrk="1" fontAlgn="base" latinLnBrk="1" hangingPunct="1">
+              <a:spcBef>
+                <a:spcPct val="20000"/>
+              </a:spcBef>
+              <a:spcAft>
+                <a:spcPct val="0"/>
+              </a:spcAft>
+              <a:buChar char="•"/>
+              <a:defRPr kumimoji="1" sz="1200" b="1" cap="none" spc="0">
+                <a:ln w="12700">
+                  <a:solidFill>
+                    <a:schemeClr val="tx2">
+                      <a:satMod val="155000"/>
+                    </a:schemeClr>
+                  </a:solidFill>
+                  <a:prstDash val="solid"/>
+                </a:ln>
+                <a:solidFill>
+                  <a:srgbClr val="CCFFCC"/>
+                </a:solidFill>
+                <a:effectLst>
+                  <a:outerShdw blurRad="41275" dist="20320" dir="1800000" algn="tl" rotWithShape="0">
+                    <a:srgbClr val="000000">
+                      <a:alpha val="40000"/>
+                    </a:srgbClr>
+                  </a:outerShdw>
+                </a:effectLst>
+                <a:latin typeface="Arial Narrow" pitchFamily="34" charset="0"/>
+                <a:ea typeface="+mn-ea"/>
+              </a:defRPr>
+            </a:lvl5pPr>
+            <a:lvl6pPr marL="2514600" indent="-228600" algn="l" rtl="0" eaLnBrk="1" fontAlgn="base" latinLnBrk="1" hangingPunct="1">
+              <a:spcBef>
+                <a:spcPct val="20000"/>
+              </a:spcBef>
+              <a:spcAft>
+                <a:spcPct val="0"/>
+              </a:spcAft>
+              <a:buChar char="•"/>
+              <a:defRPr kumimoji="1" sz="1200">
+                <a:solidFill>
+                  <a:schemeClr val="bg1"/>
+                </a:solidFill>
+                <a:latin typeface="+mn-lt"/>
+                <a:ea typeface="+mn-ea"/>
+              </a:defRPr>
+            </a:lvl6pPr>
+            <a:lvl7pPr marL="2971800" indent="-228600" algn="l" rtl="0" eaLnBrk="1" fontAlgn="base" latinLnBrk="1" hangingPunct="1">
+              <a:spcBef>
+                <a:spcPct val="20000"/>
+              </a:spcBef>
+              <a:spcAft>
+                <a:spcPct val="0"/>
+              </a:spcAft>
+              <a:buChar char="•"/>
+              <a:defRPr kumimoji="1" sz="1200">
+                <a:solidFill>
+                  <a:schemeClr val="bg1"/>
+                </a:solidFill>
+                <a:latin typeface="+mn-lt"/>
+                <a:ea typeface="+mn-ea"/>
+              </a:defRPr>
+            </a:lvl7pPr>
+            <a:lvl8pPr marL="3429000" indent="-228600" algn="l" rtl="0" eaLnBrk="1" fontAlgn="base" latinLnBrk="1" hangingPunct="1">
+              <a:spcBef>
+                <a:spcPct val="20000"/>
+              </a:spcBef>
+              <a:spcAft>
+                <a:spcPct val="0"/>
+              </a:spcAft>
+              <a:buChar char="•"/>
+              <a:defRPr kumimoji="1" sz="1200">
+                <a:solidFill>
+                  <a:schemeClr val="bg1"/>
+                </a:solidFill>
+                <a:latin typeface="+mn-lt"/>
+                <a:ea typeface="+mn-ea"/>
+              </a:defRPr>
+            </a:lvl8pPr>
+            <a:lvl9pPr marL="3886200" indent="-228600" algn="l" rtl="0" eaLnBrk="1" fontAlgn="base" latinLnBrk="1" hangingPunct="1">
+              <a:spcBef>
+                <a:spcPct val="20000"/>
+              </a:spcBef>
+              <a:spcAft>
+                <a:spcPct val="0"/>
+              </a:spcAft>
+              <a:buChar char="•"/>
+              <a:defRPr kumimoji="1" sz="1200">
+                <a:solidFill>
+                  <a:schemeClr val="bg1"/>
+                </a:solidFill>
+                <a:latin typeface="+mn-lt"/>
+                <a:ea typeface="+mn-ea"/>
+              </a:defRPr>
+            </a:lvl9pPr>
+          </a:lstStyle>
+          <a:p>
+            <a:pPr marL="0" indent="0">
+              <a:buFontTx/>
+              <a:buNone/>
+            </a:pPr>
+            <a:r>
+              <a:rPr lang="ru-RU" sz="1600" kern="0" dirty="0"/>
+              <a:t>И список услуг:</a:t>
+            </a:r>
+            <a:endParaRPr lang="es-ES" sz="1600" kern="0" dirty="0"/>
+          </a:p>
+        </p:txBody>
+      </p:sp>
+    </p:spTree>
+    <p:extLst>
+      <p:ext uri="{BB962C8B-B14F-4D97-AF65-F5344CB8AC3E}">
+        <p14:creationId xmlns:p14="http://schemas.microsoft.com/office/powerpoint/2010/main" val="2198025248"/>
+      </p:ext>
+    </p:extLst>
+  </p:cSld>
+  <p:clrMapOvr>
+    <a:masterClrMapping/>
+  </p:clrMapOvr>
+</p:sld>
+</file>
+
+<file path=ppt/slides/slide12.xml><?xml version="1.0" encoding="utf-8"?>
+<p:sld xmlns:a="http://schemas.openxmlformats.org/drawingml/2006/main" xmlns:r="http://schemas.openxmlformats.org/officeDocument/2006/relationships" xmlns:p="http://schemas.openxmlformats.org/presentationml/2006/main">
+  <p:cSld>
+    <p:spTree>
+      <p:nvGrpSpPr>
+        <p:cNvPr id="1" name=""/>
+        <p:cNvGrpSpPr/>
+        <p:nvPr/>
+      </p:nvGrpSpPr>
+      <p:grpSpPr>
+        <a:xfrm>
+          <a:off x="0" y="0"/>
+          <a:ext cx="0" cy="0"/>
+          <a:chOff x="0" y="0"/>
+          <a:chExt cx="0" cy="0"/>
+        </a:xfrm>
+      </p:grpSpPr>
+      <p:sp>
+        <p:nvSpPr>
+          <p:cNvPr id="2" name="1 Título"/>
+          <p:cNvSpPr>
+            <a:spLocks noGrp="1"/>
+          </p:cNvSpPr>
+          <p:nvPr>
+            <p:ph type="title"/>
+          </p:nvPr>
+        </p:nvSpPr>
+        <p:spPr/>
+        <p:txBody>
+          <a:bodyPr/>
+          <a:lstStyle/>
+          <a:p>
+            <a:r>
+              <a:rPr lang="ru-RU" dirty="0"/>
+              <a:t>Возможности клиента</a:t>
+            </a:r>
+            <a:endParaRPr lang="es-ES" dirty="0"/>
+          </a:p>
+        </p:txBody>
+      </p:sp>
+      <p:sp>
+        <p:nvSpPr>
+          <p:cNvPr id="14" name="2 Marcador de contenido">
+            <a:extLst>
+              <a:ext uri="{FF2B5EF4-FFF2-40B4-BE49-F238E27FC236}">
+                <a16:creationId xmlns:a16="http://schemas.microsoft.com/office/drawing/2014/main" id="{6888F8AF-6E6B-CE01-402C-EEB66F17E568}"/>
+              </a:ext>
+            </a:extLst>
+          </p:cNvPr>
+          <p:cNvSpPr txBox="1">
+            <a:spLocks/>
+          </p:cNvSpPr>
+          <p:nvPr/>
+        </p:nvSpPr>
+        <p:spPr bwMode="auto">
+          <a:xfrm>
+            <a:off x="2267744" y="908720"/>
+            <a:ext cx="4464496" cy="360040"/>
+          </a:xfrm>
+          <a:prstGeom prst="rect">
+            <a:avLst/>
+          </a:prstGeom>
+          <a:noFill/>
+          <a:ln w="9525">
+            <a:noFill/>
+            <a:miter lim="800000"/>
+            <a:headEnd/>
+            <a:tailEnd/>
+          </a:ln>
+          <a:effectLst/>
+        </p:spPr>
+        <p:txBody>
+          <a:bodyPr vert="horz" wrap="square" lIns="91440" tIns="45720" rIns="91440" bIns="45720" numCol="1" anchor="t" anchorCtr="0" compatLnSpc="1">
+            <a:prstTxWarp prst="textNoShape">
+              <a:avLst/>
+            </a:prstTxWarp>
+          </a:bodyPr>
+          <a:lstStyle>
+            <a:lvl1pPr marL="342900" indent="-342900" algn="l" rtl="0" eaLnBrk="1" fontAlgn="base" latinLnBrk="1" hangingPunct="1">
+              <a:spcBef>
+                <a:spcPct val="20000"/>
+              </a:spcBef>
+              <a:spcAft>
+                <a:spcPct val="0"/>
+              </a:spcAft>
+              <a:buChar char="•"/>
+              <a:defRPr kumimoji="1" sz="2500" b="1" cap="none" spc="0">
+                <a:ln w="12700">
+                  <a:solidFill>
+                    <a:schemeClr val="tx2">
+                      <a:satMod val="155000"/>
+                    </a:schemeClr>
+                  </a:solidFill>
+                  <a:prstDash val="solid"/>
+                </a:ln>
+                <a:solidFill>
+                  <a:srgbClr val="CCFFCC"/>
+                </a:solidFill>
+                <a:effectLst>
+                  <a:outerShdw blurRad="41275" dist="20320" dir="1800000" algn="tl" rotWithShape="0">
+                    <a:srgbClr val="000000">
+                      <a:alpha val="40000"/>
+                    </a:srgbClr>
+                  </a:outerShdw>
+                </a:effectLst>
+                <a:latin typeface="Arial Narrow" pitchFamily="34" charset="0"/>
+                <a:ea typeface="+mn-ea"/>
+                <a:cs typeface="+mn-cs"/>
+              </a:defRPr>
+            </a:lvl1pPr>
+            <a:lvl2pPr marL="742950" indent="-285750" algn="l" rtl="0" eaLnBrk="1" fontAlgn="base" latinLnBrk="1" hangingPunct="1">
+              <a:spcBef>
+                <a:spcPct val="20000"/>
+              </a:spcBef>
+              <a:spcAft>
+                <a:spcPct val="0"/>
+              </a:spcAft>
+              <a:buChar char="•"/>
+              <a:defRPr kumimoji="1" sz="2200" b="1" cap="none" spc="0">
+                <a:ln w="12700">
+                  <a:solidFill>
+                    <a:schemeClr val="tx2">
+                      <a:satMod val="155000"/>
+                    </a:schemeClr>
+                  </a:solidFill>
+                  <a:prstDash val="solid"/>
+                </a:ln>
+                <a:solidFill>
+                  <a:srgbClr val="CCFFCC"/>
+                </a:solidFill>
+                <a:effectLst>
+                  <a:outerShdw blurRad="41275" dist="20320" dir="1800000" algn="tl" rotWithShape="0">
+                    <a:srgbClr val="000000">
+                      <a:alpha val="40000"/>
+                    </a:srgbClr>
+                  </a:outerShdw>
+                </a:effectLst>
+                <a:latin typeface="Arial Narrow" pitchFamily="34" charset="0"/>
+                <a:ea typeface="+mn-ea"/>
+              </a:defRPr>
+            </a:lvl2pPr>
+            <a:lvl3pPr marL="1143000" indent="-228600" algn="l" rtl="0" eaLnBrk="1" fontAlgn="base" latinLnBrk="1" hangingPunct="1">
+              <a:spcBef>
+                <a:spcPct val="20000"/>
+              </a:spcBef>
+              <a:spcAft>
+                <a:spcPct val="0"/>
+              </a:spcAft>
+              <a:buChar char="•"/>
+              <a:defRPr kumimoji="1" b="1" cap="none" spc="0">
+                <a:ln w="12700">
+                  <a:solidFill>
+                    <a:schemeClr val="tx2">
+                      <a:satMod val="155000"/>
+                    </a:schemeClr>
+                  </a:solidFill>
+                  <a:prstDash val="solid"/>
+                </a:ln>
+                <a:solidFill>
+                  <a:srgbClr val="CCFFCC"/>
+                </a:solidFill>
+                <a:effectLst>
+                  <a:outerShdw blurRad="41275" dist="20320" dir="1800000" algn="tl" rotWithShape="0">
+                    <a:srgbClr val="000000">
+                      <a:alpha val="40000"/>
+                    </a:srgbClr>
+                  </a:outerShdw>
+                </a:effectLst>
+                <a:latin typeface="Arial Narrow" pitchFamily="34" charset="0"/>
+                <a:ea typeface="+mn-ea"/>
+              </a:defRPr>
+            </a:lvl3pPr>
+            <a:lvl4pPr marL="1600200" indent="-228600" algn="l" rtl="0" eaLnBrk="1" fontAlgn="base" latinLnBrk="1" hangingPunct="1">
+              <a:spcBef>
+                <a:spcPct val="20000"/>
+              </a:spcBef>
+              <a:spcAft>
+                <a:spcPct val="0"/>
+              </a:spcAft>
+              <a:buChar char="•"/>
+              <a:defRPr kumimoji="1" sz="1500" b="1" cap="none" spc="0">
+                <a:ln w="12700">
+                  <a:solidFill>
+                    <a:schemeClr val="tx2">
+                      <a:satMod val="155000"/>
+                    </a:schemeClr>
+                  </a:solidFill>
+                  <a:prstDash val="solid"/>
+                </a:ln>
+                <a:solidFill>
+                  <a:srgbClr val="CCFFCC"/>
+                </a:solidFill>
+                <a:effectLst>
+                  <a:outerShdw blurRad="41275" dist="20320" dir="1800000" algn="tl" rotWithShape="0">
+                    <a:srgbClr val="000000">
+                      <a:alpha val="40000"/>
+                    </a:srgbClr>
+                  </a:outerShdw>
+                </a:effectLst>
+                <a:latin typeface="Arial Narrow" pitchFamily="34" charset="0"/>
+                <a:ea typeface="+mn-ea"/>
+              </a:defRPr>
+            </a:lvl4pPr>
+            <a:lvl5pPr marL="2057400" indent="-228600" algn="l" rtl="0" eaLnBrk="1" fontAlgn="base" latinLnBrk="1" hangingPunct="1">
+              <a:spcBef>
+                <a:spcPct val="20000"/>
+              </a:spcBef>
+              <a:spcAft>
+                <a:spcPct val="0"/>
+              </a:spcAft>
+              <a:buChar char="•"/>
+              <a:defRPr kumimoji="1" sz="1200" b="1" cap="none" spc="0">
+                <a:ln w="12700">
+                  <a:solidFill>
+                    <a:schemeClr val="tx2">
+                      <a:satMod val="155000"/>
+                    </a:schemeClr>
+                  </a:solidFill>
+                  <a:prstDash val="solid"/>
+                </a:ln>
+                <a:solidFill>
+                  <a:srgbClr val="CCFFCC"/>
+                </a:solidFill>
+                <a:effectLst>
+                  <a:outerShdw blurRad="41275" dist="20320" dir="1800000" algn="tl" rotWithShape="0">
+                    <a:srgbClr val="000000">
+                      <a:alpha val="40000"/>
+                    </a:srgbClr>
+                  </a:outerShdw>
+                </a:effectLst>
+                <a:latin typeface="Arial Narrow" pitchFamily="34" charset="0"/>
+                <a:ea typeface="+mn-ea"/>
+              </a:defRPr>
+            </a:lvl5pPr>
+            <a:lvl6pPr marL="2514600" indent="-228600" algn="l" rtl="0" eaLnBrk="1" fontAlgn="base" latinLnBrk="1" hangingPunct="1">
+              <a:spcBef>
+                <a:spcPct val="20000"/>
+              </a:spcBef>
+              <a:spcAft>
+                <a:spcPct val="0"/>
+              </a:spcAft>
+              <a:buChar char="•"/>
+              <a:defRPr kumimoji="1" sz="1200">
+                <a:solidFill>
+                  <a:schemeClr val="bg1"/>
+                </a:solidFill>
+                <a:latin typeface="+mn-lt"/>
+                <a:ea typeface="+mn-ea"/>
+              </a:defRPr>
+            </a:lvl6pPr>
+            <a:lvl7pPr marL="2971800" indent="-228600" algn="l" rtl="0" eaLnBrk="1" fontAlgn="base" latinLnBrk="1" hangingPunct="1">
+              <a:spcBef>
+                <a:spcPct val="20000"/>
+              </a:spcBef>
+              <a:spcAft>
+                <a:spcPct val="0"/>
+              </a:spcAft>
+              <a:buChar char="•"/>
+              <a:defRPr kumimoji="1" sz="1200">
+                <a:solidFill>
+                  <a:schemeClr val="bg1"/>
+                </a:solidFill>
+                <a:latin typeface="+mn-lt"/>
+                <a:ea typeface="+mn-ea"/>
+              </a:defRPr>
+            </a:lvl7pPr>
+            <a:lvl8pPr marL="3429000" indent="-228600" algn="l" rtl="0" eaLnBrk="1" fontAlgn="base" latinLnBrk="1" hangingPunct="1">
+              <a:spcBef>
+                <a:spcPct val="20000"/>
+              </a:spcBef>
+              <a:spcAft>
+                <a:spcPct val="0"/>
+              </a:spcAft>
+              <a:buChar char="•"/>
+              <a:defRPr kumimoji="1" sz="1200">
+                <a:solidFill>
+                  <a:schemeClr val="bg1"/>
+                </a:solidFill>
+                <a:latin typeface="+mn-lt"/>
+                <a:ea typeface="+mn-ea"/>
+              </a:defRPr>
+            </a:lvl8pPr>
+            <a:lvl9pPr marL="3886200" indent="-228600" algn="l" rtl="0" eaLnBrk="1" fontAlgn="base" latinLnBrk="1" hangingPunct="1">
+              <a:spcBef>
+                <a:spcPct val="20000"/>
+              </a:spcBef>
+              <a:spcAft>
+                <a:spcPct val="0"/>
+              </a:spcAft>
+              <a:buChar char="•"/>
+              <a:defRPr kumimoji="1" sz="1200">
+                <a:solidFill>
+                  <a:schemeClr val="bg1"/>
+                </a:solidFill>
+                <a:latin typeface="+mn-lt"/>
+                <a:ea typeface="+mn-ea"/>
+              </a:defRPr>
+            </a:lvl9pPr>
+          </a:lstStyle>
+          <a:p>
+            <a:pPr marL="0" indent="0" algn="ctr">
+              <a:buFontTx/>
+              <a:buNone/>
+            </a:pPr>
+            <a:r>
+              <a:rPr lang="ru-RU" sz="1600" kern="0" dirty="0"/>
+              <a:t>И, как ни странно, записаться:</a:t>
+            </a:r>
+            <a:endParaRPr lang="es-ES" sz="1600" kern="0" dirty="0"/>
+          </a:p>
+        </p:txBody>
+      </p:sp>
+      <p:pic>
+        <p:nvPicPr>
+          <p:cNvPr id="4" name="Рисунок 3">
+            <a:extLst>
+              <a:ext uri="{FF2B5EF4-FFF2-40B4-BE49-F238E27FC236}">
+                <a16:creationId xmlns:a16="http://schemas.microsoft.com/office/drawing/2014/main" id="{A3712239-A205-63DD-ECEF-0EABE14E8BB0}"/>
+              </a:ext>
+            </a:extLst>
+          </p:cNvPr>
+          <p:cNvPicPr>
+            <a:picLocks noChangeAspect="1"/>
+          </p:cNvPicPr>
+          <p:nvPr/>
+        </p:nvPicPr>
+        <p:blipFill>
+          <a:blip r:embed="rId2">
+            <a:extLst>
+              <a:ext uri="{28A0092B-C50C-407E-A947-70E740481C1C}">
+                <a14:useLocalDpi xmlns:a14="http://schemas.microsoft.com/office/drawing/2010/main" val="0"/>
+              </a:ext>
+            </a:extLst>
+          </a:blip>
+          <a:stretch>
+            <a:fillRect/>
+          </a:stretch>
+        </p:blipFill>
+        <p:spPr>
+          <a:xfrm>
+            <a:off x="611560" y="1412776"/>
+            <a:ext cx="3227998" cy="2376264"/>
+          </a:xfrm>
+          <a:prstGeom prst="rect">
+            <a:avLst/>
+          </a:prstGeom>
+        </p:spPr>
+      </p:pic>
+      <p:pic>
+        <p:nvPicPr>
+          <p:cNvPr id="13" name="Рисунок 12">
+            <a:extLst>
+              <a:ext uri="{FF2B5EF4-FFF2-40B4-BE49-F238E27FC236}">
+                <a16:creationId xmlns:a16="http://schemas.microsoft.com/office/drawing/2014/main" id="{F7A3AB80-F94F-7066-EBF8-B53E919DA730}"/>
+              </a:ext>
+            </a:extLst>
+          </p:cNvPr>
+          <p:cNvPicPr>
+            <a:picLocks noChangeAspect="1"/>
+          </p:cNvPicPr>
+          <p:nvPr/>
+        </p:nvPicPr>
+        <p:blipFill>
+          <a:blip r:embed="rId3">
+            <a:extLst>
+              <a:ext uri="{28A0092B-C50C-407E-A947-70E740481C1C}">
+                <a14:useLocalDpi xmlns:a14="http://schemas.microsoft.com/office/drawing/2010/main" val="0"/>
+              </a:ext>
+            </a:extLst>
+          </a:blip>
+          <a:stretch>
+            <a:fillRect/>
+          </a:stretch>
+        </p:blipFill>
+        <p:spPr>
+          <a:xfrm>
+            <a:off x="4860032" y="1412776"/>
+            <a:ext cx="3690966" cy="2376264"/>
+          </a:xfrm>
+          <a:prstGeom prst="rect">
+            <a:avLst/>
+          </a:prstGeom>
+        </p:spPr>
+      </p:pic>
+      <p:pic>
+        <p:nvPicPr>
+          <p:cNvPr id="18" name="Рисунок 17">
+            <a:extLst>
+              <a:ext uri="{FF2B5EF4-FFF2-40B4-BE49-F238E27FC236}">
+                <a16:creationId xmlns:a16="http://schemas.microsoft.com/office/drawing/2014/main" id="{0F73DE17-70ED-E1DC-70B5-4D31D607DC1E}"/>
+              </a:ext>
+            </a:extLst>
+          </p:cNvPr>
+          <p:cNvPicPr>
+            <a:picLocks noChangeAspect="1"/>
+          </p:cNvPicPr>
+          <p:nvPr/>
+        </p:nvPicPr>
+        <p:blipFill>
+          <a:blip r:embed="rId4">
+            <a:extLst>
+              <a:ext uri="{28A0092B-C50C-407E-A947-70E740481C1C}">
+                <a14:useLocalDpi xmlns:a14="http://schemas.microsoft.com/office/drawing/2010/main" val="0"/>
+              </a:ext>
+            </a:extLst>
+          </a:blip>
+          <a:stretch>
+            <a:fillRect/>
+          </a:stretch>
+        </p:blipFill>
+        <p:spPr>
+          <a:xfrm>
+            <a:off x="4959686" y="4262122"/>
+            <a:ext cx="3592033" cy="2232248"/>
+          </a:xfrm>
+          <a:prstGeom prst="rect">
+            <a:avLst/>
+          </a:prstGeom>
+        </p:spPr>
+      </p:pic>
+      <p:pic>
+        <p:nvPicPr>
+          <p:cNvPr id="20" name="Рисунок 19">
+            <a:extLst>
+              <a:ext uri="{FF2B5EF4-FFF2-40B4-BE49-F238E27FC236}">
+                <a16:creationId xmlns:a16="http://schemas.microsoft.com/office/drawing/2014/main" id="{2A527610-740B-3F06-596C-F419F8A2A962}"/>
+              </a:ext>
+            </a:extLst>
+          </p:cNvPr>
+          <p:cNvPicPr>
+            <a:picLocks noChangeAspect="1"/>
+          </p:cNvPicPr>
+          <p:nvPr/>
+        </p:nvPicPr>
+        <p:blipFill>
+          <a:blip r:embed="rId5">
+            <a:extLst>
+              <a:ext uri="{28A0092B-C50C-407E-A947-70E740481C1C}">
+                <a14:useLocalDpi xmlns:a14="http://schemas.microsoft.com/office/drawing/2010/main" val="0"/>
+              </a:ext>
+            </a:extLst>
+          </a:blip>
+          <a:stretch>
+            <a:fillRect/>
+          </a:stretch>
+        </p:blipFill>
+        <p:spPr>
+          <a:xfrm>
+            <a:off x="611560" y="4293096"/>
+            <a:ext cx="3240360" cy="2211431"/>
+          </a:xfrm>
+          <a:prstGeom prst="rect">
+            <a:avLst/>
+          </a:prstGeom>
+        </p:spPr>
+      </p:pic>
+      <p:sp>
+        <p:nvSpPr>
+          <p:cNvPr id="21" name="Стрелка: вправо 20">
+            <a:extLst>
+              <a:ext uri="{FF2B5EF4-FFF2-40B4-BE49-F238E27FC236}">
+                <a16:creationId xmlns:a16="http://schemas.microsoft.com/office/drawing/2014/main" id="{08228170-5122-DAB4-181F-49186F210C31}"/>
+              </a:ext>
+            </a:extLst>
+          </p:cNvPr>
+          <p:cNvSpPr/>
+          <p:nvPr/>
+        </p:nvSpPr>
+        <p:spPr bwMode="auto">
+          <a:xfrm>
+            <a:off x="3995936" y="2492896"/>
+            <a:ext cx="720080" cy="432048"/>
+          </a:xfrm>
+          <a:prstGeom prst="rightArrow">
+            <a:avLst/>
+          </a:prstGeom>
+          <a:solidFill>
+            <a:schemeClr val="accent1"/>
+          </a:solidFill>
+          <a:ln w="9525" cap="flat" cmpd="sng" algn="ctr">
+            <a:solidFill>
+              <a:schemeClr val="tx1"/>
+            </a:solidFill>
+            <a:prstDash val="solid"/>
+            <a:round/>
+            <a:headEnd type="none" w="med" len="med"/>
+            <a:tailEnd type="none" w="med" len="med"/>
+          </a:ln>
+          <a:effectLst/>
+        </p:spPr>
+        <p:txBody>
+          <a:bodyPr vert="horz" wrap="square" lIns="91440" tIns="45720" rIns="91440" bIns="45720" numCol="1" rtlCol="0" anchor="t" anchorCtr="0" compatLnSpc="1">
+            <a:prstTxWarp prst="textNoShape">
+              <a:avLst/>
+            </a:prstTxWarp>
+          </a:bodyPr>
+          <a:lstStyle/>
+          <a:p>
+            <a:pPr marL="0" marR="0" indent="0" algn="l" defTabSz="914400" rtl="0" eaLnBrk="1" fontAlgn="base" latinLnBrk="1" hangingPunct="1">
+              <a:lnSpc>
+                <a:spcPct val="100000"/>
+              </a:lnSpc>
+              <a:spcBef>
+                <a:spcPct val="0"/>
+              </a:spcBef>
+              <a:spcAft>
+                <a:spcPct val="0"/>
+              </a:spcAft>
+              <a:buClrTx/>
+              <a:buSzTx/>
+              <a:buFontTx/>
+              <a:buNone/>
+              <a:tabLst/>
+            </a:pPr>
+            <a:endParaRPr kumimoji="1" lang="ru-RU" sz="2400" b="0" i="0" u="none" strike="noStrike" cap="none" normalizeH="0" baseline="0">
+              <a:ln>
+                <a:noFill/>
+              </a:ln>
+              <a:solidFill>
+                <a:schemeClr val="tx1"/>
+              </a:solidFill>
+              <a:effectLst/>
+              <a:latin typeface="굴림" pitchFamily="50" charset="-127"/>
+              <a:ea typeface="굴림" pitchFamily="50" charset="-127"/>
+            </a:endParaRPr>
+          </a:p>
+        </p:txBody>
+      </p:sp>
+      <p:sp>
+        <p:nvSpPr>
+          <p:cNvPr id="22" name="Стрелка: вниз 21">
+            <a:extLst>
+              <a:ext uri="{FF2B5EF4-FFF2-40B4-BE49-F238E27FC236}">
+                <a16:creationId xmlns:a16="http://schemas.microsoft.com/office/drawing/2014/main" id="{5512E1CF-2FAF-7EE3-C029-2CCE24849880}"/>
+              </a:ext>
+            </a:extLst>
+          </p:cNvPr>
+          <p:cNvSpPr/>
+          <p:nvPr/>
+        </p:nvSpPr>
+        <p:spPr bwMode="auto">
+          <a:xfrm>
+            <a:off x="6660232" y="3861048"/>
+            <a:ext cx="360040" cy="360040"/>
+          </a:xfrm>
+          <a:prstGeom prst="downArrow">
+            <a:avLst/>
+          </a:prstGeom>
+          <a:solidFill>
+            <a:schemeClr val="accent1"/>
+          </a:solidFill>
+          <a:ln w="9525" cap="flat" cmpd="sng" algn="ctr">
+            <a:solidFill>
+              <a:schemeClr val="tx1"/>
+            </a:solidFill>
+            <a:prstDash val="solid"/>
+            <a:round/>
+            <a:headEnd type="none" w="med" len="med"/>
+            <a:tailEnd type="none" w="med" len="med"/>
+          </a:ln>
+          <a:effectLst/>
+        </p:spPr>
+        <p:txBody>
+          <a:bodyPr vert="horz" wrap="square" lIns="91440" tIns="45720" rIns="91440" bIns="45720" numCol="1" rtlCol="0" anchor="t" anchorCtr="0" compatLnSpc="1">
+            <a:prstTxWarp prst="textNoShape">
+              <a:avLst/>
+            </a:prstTxWarp>
+          </a:bodyPr>
+          <a:lstStyle/>
+          <a:p>
+            <a:pPr marL="0" marR="0" indent="0" algn="l" defTabSz="914400" rtl="0" eaLnBrk="1" fontAlgn="base" latinLnBrk="1" hangingPunct="1">
+              <a:lnSpc>
+                <a:spcPct val="100000"/>
+              </a:lnSpc>
+              <a:spcBef>
+                <a:spcPct val="0"/>
+              </a:spcBef>
+              <a:spcAft>
+                <a:spcPct val="0"/>
+              </a:spcAft>
+              <a:buClrTx/>
+              <a:buSzTx/>
+              <a:buFontTx/>
+              <a:buNone/>
+              <a:tabLst/>
+            </a:pPr>
+            <a:endParaRPr kumimoji="1" lang="ru-RU" sz="2400" b="0" i="0" u="none" strike="noStrike" cap="none" normalizeH="0" baseline="0">
+              <a:ln>
+                <a:noFill/>
+              </a:ln>
+              <a:solidFill>
+                <a:schemeClr val="tx1"/>
+              </a:solidFill>
+              <a:effectLst/>
+              <a:latin typeface="굴림" pitchFamily="50" charset="-127"/>
+              <a:ea typeface="굴림" pitchFamily="50" charset="-127"/>
+            </a:endParaRPr>
+          </a:p>
+        </p:txBody>
+      </p:sp>
+      <p:sp>
+        <p:nvSpPr>
+          <p:cNvPr id="23" name="Стрелка: вправо 22">
+            <a:extLst>
+              <a:ext uri="{FF2B5EF4-FFF2-40B4-BE49-F238E27FC236}">
+                <a16:creationId xmlns:a16="http://schemas.microsoft.com/office/drawing/2014/main" id="{B64108AD-3235-9A8C-7F60-ECB61C63D7AD}"/>
+              </a:ext>
+            </a:extLst>
+          </p:cNvPr>
+          <p:cNvSpPr/>
+          <p:nvPr/>
+        </p:nvSpPr>
+        <p:spPr bwMode="auto">
+          <a:xfrm rot="10800000">
+            <a:off x="4067944" y="5229200"/>
+            <a:ext cx="720080" cy="432048"/>
+          </a:xfrm>
+          <a:prstGeom prst="rightArrow">
+            <a:avLst/>
+          </a:prstGeom>
+          <a:solidFill>
+            <a:schemeClr val="accent1"/>
+          </a:solidFill>
+          <a:ln w="9525" cap="flat" cmpd="sng" algn="ctr">
+            <a:solidFill>
+              <a:schemeClr val="tx1"/>
+            </a:solidFill>
+            <a:prstDash val="solid"/>
+            <a:round/>
+            <a:headEnd type="none" w="med" len="med"/>
+            <a:tailEnd type="none" w="med" len="med"/>
+          </a:ln>
+          <a:effectLst/>
+        </p:spPr>
+        <p:txBody>
+          <a:bodyPr vert="horz" wrap="square" lIns="91440" tIns="45720" rIns="91440" bIns="45720" numCol="1" rtlCol="0" anchor="t" anchorCtr="0" compatLnSpc="1">
+            <a:prstTxWarp prst="textNoShape">
+              <a:avLst/>
+            </a:prstTxWarp>
+          </a:bodyPr>
+          <a:lstStyle/>
+          <a:p>
+            <a:pPr marL="0" marR="0" indent="0" algn="l" defTabSz="914400" rtl="0" eaLnBrk="1" fontAlgn="base" latinLnBrk="1" hangingPunct="1">
+              <a:lnSpc>
+                <a:spcPct val="100000"/>
+              </a:lnSpc>
+              <a:spcBef>
+                <a:spcPct val="0"/>
+              </a:spcBef>
+              <a:spcAft>
+                <a:spcPct val="0"/>
+              </a:spcAft>
+              <a:buClrTx/>
+              <a:buSzTx/>
+              <a:buFontTx/>
+              <a:buNone/>
+              <a:tabLst/>
+            </a:pPr>
+            <a:endParaRPr kumimoji="1" lang="ru-RU" sz="2400" b="0" i="0" u="none" strike="noStrike" cap="none" normalizeH="0" baseline="0">
+              <a:ln>
+                <a:noFill/>
+              </a:ln>
+              <a:solidFill>
+                <a:schemeClr val="tx1"/>
+              </a:solidFill>
+              <a:effectLst/>
+              <a:latin typeface="굴림" pitchFamily="50" charset="-127"/>
+              <a:ea typeface="굴림" pitchFamily="50" charset="-127"/>
+            </a:endParaRPr>
+          </a:p>
+        </p:txBody>
+      </p:sp>
+    </p:spTree>
+    <p:extLst>
+      <p:ext uri="{BB962C8B-B14F-4D97-AF65-F5344CB8AC3E}">
+        <p14:creationId xmlns:p14="http://schemas.microsoft.com/office/powerpoint/2010/main" val="2544936900"/>
+      </p:ext>
+    </p:extLst>
+  </p:cSld>
+  <p:clrMapOvr>
+    <a:masterClrMapping/>
+  </p:clrMapOvr>
+</p:sld>
+</file>
+
+<file path=ppt/slides/slide13.xml><?xml version="1.0" encoding="utf-8"?>
+<p:sld xmlns:a="http://schemas.openxmlformats.org/drawingml/2006/main" xmlns:r="http://schemas.openxmlformats.org/officeDocument/2006/relationships" xmlns:p="http://schemas.openxmlformats.org/presentationml/2006/main">
+  <p:cSld>
+    <p:spTree>
+      <p:nvGrpSpPr>
+        <p:cNvPr id="1" name=""/>
+        <p:cNvGrpSpPr/>
+        <p:nvPr/>
+      </p:nvGrpSpPr>
+      <p:grpSpPr>
+        <a:xfrm>
+          <a:off x="0" y="0"/>
+          <a:ext cx="0" cy="0"/>
+          <a:chOff x="0" y="0"/>
+          <a:chExt cx="0" cy="0"/>
+        </a:xfrm>
+      </p:grpSpPr>
+      <p:sp>
+        <p:nvSpPr>
+          <p:cNvPr id="2" name="1 Título"/>
+          <p:cNvSpPr>
+            <a:spLocks noGrp="1"/>
+          </p:cNvSpPr>
+          <p:nvPr>
+            <p:ph type="title"/>
+          </p:nvPr>
+        </p:nvSpPr>
+        <p:spPr/>
+        <p:txBody>
+          <a:bodyPr/>
+          <a:lstStyle/>
+          <a:p>
+            <a:r>
+              <a:rPr lang="ru-RU" dirty="0"/>
+              <a:t>Возможности клиента</a:t>
+            </a:r>
+            <a:endParaRPr lang="es-ES" dirty="0"/>
+          </a:p>
+        </p:txBody>
+      </p:sp>
+      <p:sp>
+        <p:nvSpPr>
+          <p:cNvPr id="14" name="2 Marcador de contenido">
+            <a:extLst>
+              <a:ext uri="{FF2B5EF4-FFF2-40B4-BE49-F238E27FC236}">
+                <a16:creationId xmlns:a16="http://schemas.microsoft.com/office/drawing/2014/main" id="{6888F8AF-6E6B-CE01-402C-EEB66F17E568}"/>
+              </a:ext>
+            </a:extLst>
+          </p:cNvPr>
+          <p:cNvSpPr txBox="1">
+            <a:spLocks/>
+          </p:cNvSpPr>
+          <p:nvPr/>
+        </p:nvSpPr>
+        <p:spPr bwMode="auto">
+          <a:xfrm>
+            <a:off x="611560" y="1340768"/>
             <a:ext cx="8280920" cy="1008112"/>
           </a:xfrm>
           <a:prstGeom prst="rect">
@@ -4725,7 +6661,7 @@
             </a:pPr>
             <a:r>
               <a:rPr lang="ru-RU" sz="4000" kern="0" dirty="0"/>
-              <a:t>… и тут, увы, наступило 21 февраля!</a:t>
+              <a:t>… и тут, увы, наступило 22 февраля!</a:t>
             </a:r>
           </a:p>
         </p:txBody>
@@ -4746,8 +6682,8 @@
         </p:nvSpPr>
         <p:spPr bwMode="auto">
           <a:xfrm>
-            <a:off x="539552" y="3933056"/>
-            <a:ext cx="8280920" cy="1584176"/>
+            <a:off x="611560" y="2492896"/>
+            <a:ext cx="7848872" cy="2448272"/>
           </a:xfrm>
           <a:prstGeom prst="rect">
             <a:avLst/>
@@ -4995,7 +6931,7 @@
               <a:buNone/>
             </a:pPr>
             <a:r>
-              <a:rPr lang="ru-RU" sz="4400" kern="0" dirty="0">
+              <a:rPr lang="ru-RU" sz="4000" kern="0" dirty="0">
                 <a:solidFill>
                   <a:srgbClr val="FFC000"/>
                 </a:solidFill>
@@ -5009,14 +6945,14 @@
               <a:buNone/>
             </a:pPr>
             <a:r>
-              <a:rPr lang="ru-RU" sz="4400" kern="0" dirty="0">
+              <a:rPr lang="ru-RU" sz="4000" kern="0" dirty="0">
                 <a:solidFill>
                   <a:srgbClr val="FFC000"/>
                 </a:solidFill>
               </a:rPr>
-              <a:t>подумать…</a:t>
+              <a:t>подумать, но…</a:t>
             </a:r>
-            <a:endParaRPr lang="es-ES" sz="4400" kern="0" dirty="0">
+            <a:endParaRPr lang="es-ES" sz="4000" kern="0" dirty="0">
               <a:solidFill>
                 <a:srgbClr val="FFC000"/>
               </a:solidFill>
@@ -5024,6 +6960,42 @@
           </a:p>
         </p:txBody>
       </p:sp>
+      <p:pic>
+        <p:nvPicPr>
+          <p:cNvPr id="4" name="Рисунок 3">
+            <a:extLst>
+              <a:ext uri="{FF2B5EF4-FFF2-40B4-BE49-F238E27FC236}">
+                <a16:creationId xmlns:a16="http://schemas.microsoft.com/office/drawing/2014/main" id="{BE9A7F50-C070-C2A9-836D-CFA6F35368A8}"/>
+              </a:ext>
+            </a:extLst>
+          </p:cNvPr>
+          <p:cNvPicPr>
+            <a:picLocks noChangeAspect="1"/>
+          </p:cNvPicPr>
+          <p:nvPr/>
+        </p:nvPicPr>
+        <p:blipFill>
+          <a:blip r:embed="rId2">
+            <a:extLst>
+              <a:ext uri="{28A0092B-C50C-407E-A947-70E740481C1C}">
+                <a14:useLocalDpi xmlns:a14="http://schemas.microsoft.com/office/drawing/2010/main" val="0"/>
+              </a:ext>
+            </a:extLst>
+          </a:blip>
+          <a:stretch>
+            <a:fillRect/>
+          </a:stretch>
+        </p:blipFill>
+        <p:spPr>
+          <a:xfrm>
+            <a:off x="4139952" y="3501008"/>
+            <a:ext cx="4601217" cy="2838846"/>
+          </a:xfrm>
+          <a:prstGeom prst="rect">
+            <a:avLst/>
+          </a:prstGeom>
+        </p:spPr>
+      </p:pic>
     </p:spTree>
     <p:extLst>
       <p:ext uri="{BB962C8B-B14F-4D97-AF65-F5344CB8AC3E}">
@@ -5057,7 +7029,7 @@
                               <p:par>
                                 <p:cTn id="5" presetID="1" presetClass="entr" presetSubtype="0" fill="hold" grpId="0" nodeType="clickEffect">
                                   <p:stCondLst>
-                                    <p:cond delay="0"/>
+                                    <p:cond delay="250"/>
                                   </p:stCondLst>
                                   <p:childTnLst>
                                     <p:set>
@@ -5078,6 +7050,119 @@
                                         <p:strVal val="visible"/>
                                       </p:to>
                                     </p:set>
+                                  </p:childTnLst>
+                                </p:cTn>
+                              </p:par>
+                            </p:childTnLst>
+                          </p:cTn>
+                        </p:par>
+                        <p:par>
+                          <p:cTn id="7" fill="hold">
+                            <p:stCondLst>
+                              <p:cond delay="250"/>
+                            </p:stCondLst>
+                            <p:childTnLst>
+                              <p:par>
+                                <p:cTn id="8" presetID="31" presetClass="entr" presetSubtype="0" fill="hold" nodeType="afterEffect">
+                                  <p:stCondLst>
+                                    <p:cond delay="1500"/>
+                                  </p:stCondLst>
+                                  <p:childTnLst>
+                                    <p:set>
+                                      <p:cBhvr>
+                                        <p:cTn id="9" dur="1" fill="hold">
+                                          <p:stCondLst>
+                                            <p:cond delay="0"/>
+                                          </p:stCondLst>
+                                        </p:cTn>
+                                        <p:tgtEl>
+                                          <p:spTgt spid="4"/>
+                                        </p:tgtEl>
+                                        <p:attrNameLst>
+                                          <p:attrName>style.visibility</p:attrName>
+                                        </p:attrNameLst>
+                                      </p:cBhvr>
+                                      <p:to>
+                                        <p:strVal val="visible"/>
+                                      </p:to>
+                                    </p:set>
+                                    <p:anim calcmode="lin" valueType="num">
+                                      <p:cBhvr>
+                                        <p:cTn id="10" dur="1000" fill="hold"/>
+                                        <p:tgtEl>
+                                          <p:spTgt spid="4"/>
+                                        </p:tgtEl>
+                                        <p:attrNameLst>
+                                          <p:attrName>ppt_w</p:attrName>
+                                        </p:attrNameLst>
+                                      </p:cBhvr>
+                                      <p:tavLst>
+                                        <p:tav tm="0">
+                                          <p:val>
+                                            <p:fltVal val="0"/>
+                                          </p:val>
+                                        </p:tav>
+                                        <p:tav tm="100000">
+                                          <p:val>
+                                            <p:strVal val="#ppt_w"/>
+                                          </p:val>
+                                        </p:tav>
+                                      </p:tavLst>
+                                    </p:anim>
+                                    <p:anim calcmode="lin" valueType="num">
+                                      <p:cBhvr>
+                                        <p:cTn id="11" dur="1000" fill="hold"/>
+                                        <p:tgtEl>
+                                          <p:spTgt spid="4"/>
+                                        </p:tgtEl>
+                                        <p:attrNameLst>
+                                          <p:attrName>ppt_h</p:attrName>
+                                        </p:attrNameLst>
+                                      </p:cBhvr>
+                                      <p:tavLst>
+                                        <p:tav tm="0">
+                                          <p:val>
+                                            <p:fltVal val="0"/>
+                                          </p:val>
+                                        </p:tav>
+                                        <p:tav tm="100000">
+                                          <p:val>
+                                            <p:strVal val="#ppt_h"/>
+                                          </p:val>
+                                        </p:tav>
+                                      </p:tavLst>
+                                    </p:anim>
+                                    <p:anim calcmode="lin" valueType="num">
+                                      <p:cBhvr>
+                                        <p:cTn id="12" dur="1000" fill="hold"/>
+                                        <p:tgtEl>
+                                          <p:spTgt spid="4"/>
+                                        </p:tgtEl>
+                                        <p:attrNameLst>
+                                          <p:attrName>style.rotation</p:attrName>
+                                        </p:attrNameLst>
+                                      </p:cBhvr>
+                                      <p:tavLst>
+                                        <p:tav tm="0">
+                                          <p:val>
+                                            <p:fltVal val="90"/>
+                                          </p:val>
+                                        </p:tav>
+                                        <p:tav tm="100000">
+                                          <p:val>
+                                            <p:fltVal val="0"/>
+                                          </p:val>
+                                        </p:tav>
+                                      </p:tavLst>
+                                    </p:anim>
+                                    <p:animEffect transition="in" filter="fade">
+                                      <p:cBhvr>
+                                        <p:cTn id="13" dur="1000"/>
+                                        <p:tgtEl>
+                                          <p:spTgt spid="4"/>
+                                        </p:tgtEl>
+                                      </p:cBhvr>
+                                    </p:animEffect>
                                   </p:childTnLst>
                                 </p:cTn>
                               </p:par>
@@ -5115,7 +7200,7 @@
 </p:sld>
 </file>
 
-<file path=ppt/slides/slide12.xml><?xml version="1.0" encoding="utf-8"?>
+<file path=ppt/slides/slide14.xml><?xml version="1.0" encoding="utf-8"?>
 <p:sld xmlns:a="http://schemas.openxmlformats.org/drawingml/2006/main" xmlns:r="http://schemas.openxmlformats.org/officeDocument/2006/relationships" xmlns:p="http://schemas.openxmlformats.org/presentationml/2006/main">
   <p:cSld>
     <p:spTree>
@@ -5439,13 +7524,17 @@
             </a:pPr>
             <a:r>
               <a:rPr lang="ru-RU" sz="3600" kern="0" dirty="0"/>
-              <a:t>гибкость, возможность «наворачивать» </a:t>
+              <a:t>что дало гибкость, возможность </a:t>
             </a:r>
           </a:p>
           <a:p>
             <a:pPr marL="0" indent="0" algn="just">
               <a:buNone/>
             </a:pPr>
+            <a:r>
+              <a:rPr lang="ru-RU" sz="3600" kern="0" dirty="0"/>
+              <a:t>«наворачивать» </a:t>
+            </a:r>
             <a:r>
               <a:rPr lang="en-US" sz="3600" kern="0" dirty="0"/>
               <a:t>flow </a:t>
@@ -5456,7 +7545,7 @@
             </a:r>
             <a:r>
               <a:rPr lang="en-US" sz="3600" kern="0" dirty="0"/>
-              <a:t>.</a:t>
+              <a:t>;</a:t>
             </a:r>
             <a:endParaRPr lang="ru-RU" sz="3600" kern="0" dirty="0"/>
           </a:p>
@@ -5474,6 +7563,11 @@
               <a:rPr lang="ru-RU" sz="3600" kern="0" dirty="0"/>
               <a:t>- заложенный большой набор функций</a:t>
             </a:r>
+            <a:r>
+              <a:rPr lang="en-US" sz="3600" kern="0" dirty="0"/>
+              <a:t>.</a:t>
+            </a:r>
+            <a:endParaRPr lang="ru-RU" sz="3600" kern="0" dirty="0"/>
           </a:p>
         </p:txBody>
       </p:sp>
@@ -5490,7 +7584,7 @@
 </p:sld>
 </file>
 
-<file path=ppt/slides/slide13.xml><?xml version="1.0" encoding="utf-8"?>
+<file path=ppt/slides/slide15.xml><?xml version="1.0" encoding="utf-8"?>
 <p:sld xmlns:a="http://schemas.openxmlformats.org/drawingml/2006/main" xmlns:r="http://schemas.openxmlformats.org/officeDocument/2006/relationships" xmlns:p="http://schemas.openxmlformats.org/presentationml/2006/main">
   <p:cSld>
     <p:spTree>
@@ -5796,7 +7890,7 @@
             </a:pPr>
             <a:r>
               <a:rPr lang="ru-RU" sz="3600" kern="0" dirty="0"/>
-              <a:t>бот откровенно «сырой»;</a:t>
+              <a:t>бот «сырой»;</a:t>
             </a:r>
             <a:endParaRPr lang="en-US" sz="3600" kern="0" dirty="0"/>
           </a:p>
@@ -5814,7 +7908,7 @@
             </a:pPr>
             <a:r>
               <a:rPr lang="ru-RU" sz="3600" kern="0" dirty="0"/>
-              <a:t>недоработаны бизнес-сценарии, много </a:t>
+              <a:t>недоработаны бизнес-сценарии, есть </a:t>
             </a:r>
           </a:p>
           <a:p>
@@ -5823,7 +7917,7 @@
             </a:pPr>
             <a:r>
               <a:rPr lang="ru-RU" sz="3600" kern="0" dirty="0"/>
-              <a:t>«заглушек».</a:t>
+              <a:t>«заглушки».</a:t>
             </a:r>
           </a:p>
         </p:txBody>
@@ -6262,7 +8356,7 @@
 </p:sld>
 </file>
 
-<file path=ppt/slides/slide14.xml><?xml version="1.0" encoding="utf-8"?>
+<file path=ppt/slides/slide16.xml><?xml version="1.0" encoding="utf-8"?>
 <p:sld xmlns:a="http://schemas.openxmlformats.org/drawingml/2006/main" xmlns:r="http://schemas.openxmlformats.org/officeDocument/2006/relationships" xmlns:p="http://schemas.openxmlformats.org/presentationml/2006/main">
   <p:cSld>
     <p:spTree>
@@ -8130,30 +10224,21 @@
                             </p:childTnLst>
                           </p:cTn>
                         </p:par>
-                      </p:childTnLst>
-                    </p:cTn>
-                  </p:par>
-                  <p:par>
-                    <p:cTn id="21" fill="hold">
-                      <p:stCondLst>
-                        <p:cond delay="indefinite"/>
-                      </p:stCondLst>
-                      <p:childTnLst>
                         <p:par>
-                          <p:cTn id="22" fill="hold">
+                          <p:cTn id="21" fill="hold">
                             <p:stCondLst>
-                              <p:cond delay="0"/>
+                              <p:cond delay="2000"/>
                             </p:stCondLst>
                             <p:childTnLst>
                               <p:par>
-                                <p:cTn id="23" presetID="26" presetClass="entr" presetSubtype="0" fill="hold" grpId="0" nodeType="clickEffect">
+                                <p:cTn id="22" presetID="26" presetClass="entr" presetSubtype="0" fill="hold" grpId="0" nodeType="afterEffect">
                                   <p:stCondLst>
                                     <p:cond delay="0"/>
                                   </p:stCondLst>
                                   <p:childTnLst>
                                     <p:set>
                                       <p:cBhvr>
-                                        <p:cTn id="24" dur="1" fill="hold">
+                                        <p:cTn id="23" dur="1" fill="hold">
                                           <p:stCondLst>
                                             <p:cond delay="0"/>
                                           </p:stCondLst>
@@ -8171,7 +10256,7 @@
                                     </p:set>
                                     <p:animEffect transition="in" filter="wipe(down)">
                                       <p:cBhvr>
-                                        <p:cTn id="25" dur="580">
+                                        <p:cTn id="24" dur="580">
                                           <p:stCondLst>
                                             <p:cond delay="0"/>
                                           </p:stCondLst>
@@ -8183,7 +10268,7 @@
                                     </p:animEffect>
                                     <p:anim calcmode="lin" valueType="num">
                                       <p:cBhvr>
-                                        <p:cTn id="26" dur="1822" tmFilter="0,0; 0.14,0.36; 0.43,0.73; 0.71,0.91; 1.0,1.0">
+                                        <p:cTn id="25" dur="1822" tmFilter="0,0; 0.14,0.36; 0.43,0.73; 0.71,0.91; 1.0,1.0">
                                           <p:stCondLst>
                                             <p:cond delay="0"/>
                                           </p:stCondLst>
@@ -8210,7 +10295,7 @@
                                     </p:anim>
                                     <p:anim calcmode="lin" valueType="num">
                                       <p:cBhvr>
-                                        <p:cTn id="27" dur="664" tmFilter="0.0,0.0; 0.25,0.07; 0.50,0.2; 0.75,0.467; 1.0,1.0">
+                                        <p:cTn id="26" dur="664" tmFilter="0.0,0.0; 0.25,0.07; 0.50,0.2; 0.75,0.467; 1.0,1.0">
                                           <p:stCondLst>
                                             <p:cond delay="0"/>
                                           </p:stCondLst>
@@ -8237,7 +10322,7 @@
                                     </p:anim>
                                     <p:anim calcmode="lin" valueType="num">
                                       <p:cBhvr>
-                                        <p:cTn id="28" dur="664" tmFilter="0, 0; 0.125,0.2665; 0.25,0.4; 0.375,0.465; 0.5,0.5;  0.625,0.535; 0.75,0.6; 0.875,0.7335; 1,1">
+                                        <p:cTn id="27" dur="664" tmFilter="0, 0; 0.125,0.2665; 0.25,0.4; 0.375,0.465; 0.5,0.5;  0.625,0.535; 0.75,0.6; 0.875,0.7335; 1,1">
                                           <p:stCondLst>
                                             <p:cond delay="664"/>
                                           </p:stCondLst>
@@ -8264,7 +10349,7 @@
                                     </p:anim>
                                     <p:anim calcmode="lin" valueType="num">
                                       <p:cBhvr>
-                                        <p:cTn id="29" dur="332" tmFilter="0, 0; 0.125,0.2665; 0.25,0.4; 0.375,0.465; 0.5,0.5;  0.625,0.535; 0.75,0.6; 0.875,0.7335; 1,1">
+                                        <p:cTn id="28" dur="332" tmFilter="0, 0; 0.125,0.2665; 0.25,0.4; 0.375,0.465; 0.5,0.5;  0.625,0.535; 0.75,0.6; 0.875,0.7335; 1,1">
                                           <p:stCondLst>
                                             <p:cond delay="1324"/>
                                           </p:stCondLst>
@@ -8291,7 +10376,7 @@
                                     </p:anim>
                                     <p:anim calcmode="lin" valueType="num">
                                       <p:cBhvr>
-                                        <p:cTn id="30" dur="164" tmFilter="0, 0; 0.125,0.2665; 0.25,0.4; 0.375,0.465; 0.5,0.5;  0.625,0.535; 0.75,0.6; 0.875,0.7335; 1,1">
+                                        <p:cTn id="29" dur="164" tmFilter="0, 0; 0.125,0.2665; 0.25,0.4; 0.375,0.465; 0.5,0.5;  0.625,0.535; 0.75,0.6; 0.875,0.7335; 1,1">
                                           <p:stCondLst>
                                             <p:cond delay="1656"/>
                                           </p:stCondLst>
@@ -8318,7 +10403,7 @@
                                     </p:anim>
                                     <p:animScale>
                                       <p:cBhvr>
-                                        <p:cTn id="31" dur="26">
+                                        <p:cTn id="30" dur="26">
                                           <p:stCondLst>
                                             <p:cond delay="650"/>
                                           </p:stCondLst>
@@ -8331,7 +10416,7 @@
                                     </p:animScale>
                                     <p:animScale>
                                       <p:cBhvr>
-                                        <p:cTn id="32" dur="166" decel="50000">
+                                        <p:cTn id="31" dur="166" decel="50000">
                                           <p:stCondLst>
                                             <p:cond delay="676"/>
                                           </p:stCondLst>
@@ -8344,7 +10429,7 @@
                                     </p:animScale>
                                     <p:animScale>
                                       <p:cBhvr>
-                                        <p:cTn id="33" dur="26">
+                                        <p:cTn id="32" dur="26">
                                           <p:stCondLst>
                                             <p:cond delay="1312"/>
                                           </p:stCondLst>
@@ -8357,7 +10442,7 @@
                                     </p:animScale>
                                     <p:animScale>
                                       <p:cBhvr>
-                                        <p:cTn id="34" dur="166" decel="50000">
+                                        <p:cTn id="33" dur="166" decel="50000">
                                           <p:stCondLst>
                                             <p:cond delay="1338"/>
                                           </p:stCondLst>
@@ -8370,7 +10455,7 @@
                                     </p:animScale>
                                     <p:animScale>
                                       <p:cBhvr>
-                                        <p:cTn id="35" dur="26">
+                                        <p:cTn id="34" dur="26">
                                           <p:stCondLst>
                                             <p:cond delay="1642"/>
                                           </p:stCondLst>
@@ -8383,7 +10468,7 @@
                                     </p:animScale>
                                     <p:animScale>
                                       <p:cBhvr>
-                                        <p:cTn id="36" dur="166" decel="50000">
+                                        <p:cTn id="35" dur="166" decel="50000">
                                           <p:stCondLst>
                                             <p:cond delay="1668"/>
                                           </p:stCondLst>
@@ -8396,7 +10481,7 @@
                                     </p:animScale>
                                     <p:animScale>
                                       <p:cBhvr>
-                                        <p:cTn id="37" dur="26">
+                                        <p:cTn id="36" dur="26">
                                           <p:stCondLst>
                                             <p:cond delay="1808"/>
                                           </p:stCondLst>
@@ -8409,7 +10494,7 @@
                                     </p:animScale>
                                     <p:animScale>
                                       <p:cBhvr>
-                                        <p:cTn id="38" dur="166" decel="50000">
+                                        <p:cTn id="37" dur="166" decel="50000">
                                           <p:stCondLst>
                                             <p:cond delay="1834"/>
                                           </p:stCondLst>
@@ -8426,30 +10511,21 @@
                             </p:childTnLst>
                           </p:cTn>
                         </p:par>
-                      </p:childTnLst>
-                    </p:cTn>
-                  </p:par>
-                  <p:par>
-                    <p:cTn id="39" fill="hold">
-                      <p:stCondLst>
-                        <p:cond delay="indefinite"/>
-                      </p:stCondLst>
-                      <p:childTnLst>
                         <p:par>
-                          <p:cTn id="40" fill="hold">
+                          <p:cTn id="38" fill="hold">
                             <p:stCondLst>
-                              <p:cond delay="0"/>
+                              <p:cond delay="4000"/>
                             </p:stCondLst>
                             <p:childTnLst>
                               <p:par>
-                                <p:cTn id="41" presetID="2" presetClass="entr" presetSubtype="4" fill="hold" grpId="0" nodeType="clickEffect">
+                                <p:cTn id="39" presetID="2" presetClass="entr" presetSubtype="4" fill="hold" grpId="0" nodeType="afterEffect">
                                   <p:stCondLst>
                                     <p:cond delay="0"/>
                                   </p:stCondLst>
                                   <p:childTnLst>
                                     <p:set>
                                       <p:cBhvr>
-                                        <p:cTn id="42" dur="1" fill="hold">
+                                        <p:cTn id="40" dur="1" fill="hold">
                                           <p:stCondLst>
                                             <p:cond delay="0"/>
                                           </p:stCondLst>
@@ -8467,7 +10543,7 @@
                                     </p:set>
                                     <p:anim calcmode="lin" valueType="num">
                                       <p:cBhvr additive="base">
-                                        <p:cTn id="43" dur="500" fill="hold"/>
+                                        <p:cTn id="41" dur="500" fill="hold"/>
                                         <p:tgtEl>
                                           <p:spTgt spid="6"/>
                                         </p:tgtEl>
@@ -8490,7 +10566,7 @@
                                     </p:anim>
                                     <p:anim calcmode="lin" valueType="num">
                                       <p:cBhvr additive="base">
-                                        <p:cTn id="44" dur="500" fill="hold"/>
+                                        <p:cTn id="42" dur="500" fill="hold"/>
                                         <p:tgtEl>
                                           <p:spTgt spid="6"/>
                                         </p:tgtEl>
@@ -8517,30 +10593,21 @@
                             </p:childTnLst>
                           </p:cTn>
                         </p:par>
-                      </p:childTnLst>
-                    </p:cTn>
-                  </p:par>
-                  <p:par>
-                    <p:cTn id="45" fill="hold">
-                      <p:stCondLst>
-                        <p:cond delay="indefinite"/>
-                      </p:stCondLst>
-                      <p:childTnLst>
                         <p:par>
-                          <p:cTn id="46" fill="hold">
+                          <p:cTn id="43" fill="hold">
                             <p:stCondLst>
-                              <p:cond delay="0"/>
+                              <p:cond delay="4500"/>
                             </p:stCondLst>
                             <p:childTnLst>
                               <p:par>
-                                <p:cTn id="47" presetID="22" presetClass="entr" presetSubtype="4" fill="hold" grpId="1" nodeType="clickEffect">
+                                <p:cTn id="44" presetID="22" presetClass="entr" presetSubtype="4" fill="hold" grpId="1" nodeType="afterEffect">
                                   <p:stCondLst>
                                     <p:cond delay="0"/>
                                   </p:stCondLst>
                                   <p:childTnLst>
                                     <p:set>
                                       <p:cBhvr>
-                                        <p:cTn id="48" dur="1" fill="hold">
+                                        <p:cTn id="45" dur="1" fill="hold">
                                           <p:stCondLst>
                                             <p:cond delay="0"/>
                                           </p:stCondLst>
@@ -8558,7 +10625,7 @@
                                     </p:set>
                                     <p:animEffect transition="in" filter="wipe(down)">
                                       <p:cBhvr>
-                                        <p:cTn id="49" dur="500"/>
+                                        <p:cTn id="46" dur="500"/>
                                         <p:tgtEl>
                                           <p:spTgt spid="7"/>
                                         </p:tgtEl>
@@ -8567,15 +10634,24 @@
                                   </p:childTnLst>
                                 </p:cTn>
                               </p:par>
+                            </p:childTnLst>
+                          </p:cTn>
+                        </p:par>
+                        <p:par>
+                          <p:cTn id="47" fill="hold">
+                            <p:stCondLst>
+                              <p:cond delay="5000"/>
+                            </p:stCondLst>
+                            <p:childTnLst>
                               <p:par>
-                                <p:cTn id="50" presetID="26" presetClass="emph" presetSubtype="0" fill="hold" grpId="0" nodeType="withEffect">
+                                <p:cTn id="48" presetID="26" presetClass="emph" presetSubtype="0" fill="hold" grpId="0" nodeType="afterEffect">
                                   <p:stCondLst>
                                     <p:cond delay="0"/>
                                   </p:stCondLst>
                                   <p:childTnLst>
                                     <p:animEffect transition="out" filter="fade">
                                       <p:cBhvr>
-                                        <p:cTn id="51" dur="1500" tmFilter="0, 0; .2, .5; .8, .5; 1, 0"/>
+                                        <p:cTn id="49" dur="1500" tmFilter="0, 0; .2, .5; .8, .5; 1, 0"/>
                                         <p:tgtEl>
                                           <p:spTgt spid="7"/>
                                         </p:tgtEl>
@@ -8583,7 +10659,7 @@
                                     </p:animEffect>
                                     <p:animScale>
                                       <p:cBhvr>
-                                        <p:cTn id="52" dur="750" autoRev="1" fill="hold"/>
+                                        <p:cTn id="50" dur="750" autoRev="1" fill="hold"/>
                                         <p:tgtEl>
                                           <p:spTgt spid="7"/>
                                         </p:tgtEl>
@@ -8688,12 +10764,21 @@
         <p:spPr>
           <a:xfrm>
             <a:off x="611560" y="1052736"/>
-            <a:ext cx="8280920" cy="792088"/>
+            <a:ext cx="8280920" cy="1152128"/>
           </a:xfrm>
         </p:spPr>
         <p:txBody>
           <a:bodyPr/>
           <a:lstStyle/>
+          <a:p>
+            <a:pPr marL="0" indent="0">
+              <a:buNone/>
+            </a:pPr>
+            <a:r>
+              <a:rPr lang="ru-RU" sz="2000" dirty="0"/>
+              <a:t>И мы решили его создать.</a:t>
+            </a:r>
+          </a:p>
           <a:p>
             <a:pPr marL="0" indent="0">
               <a:buNone/>
@@ -8751,7 +10836,7 @@
         </p:blipFill>
         <p:spPr>
           <a:xfrm>
-            <a:off x="251520" y="2060848"/>
+            <a:off x="251520" y="2292032"/>
             <a:ext cx="8581295" cy="4161304"/>
           </a:xfrm>
           <a:prstGeom prst="rect">
@@ -9110,13 +11195,17 @@
             </a:pPr>
             <a:r>
               <a:rPr lang="ru-RU" sz="1800" dirty="0"/>
-              <a:t>Ключевой частью движка бота стали шаги – отдельные классы, связанные </a:t>
+              <a:t>Сначала был движок. Ключевой его частью стали шаги – отдельные классы, </a:t>
             </a:r>
           </a:p>
           <a:p>
             <a:pPr marL="0" indent="0">
               <a:buNone/>
             </a:pPr>
+            <a:r>
+              <a:rPr lang="ru-RU" sz="1800" dirty="0"/>
+              <a:t>связанные </a:t>
+            </a:r>
             <a:r>
               <a:rPr lang="en-US" sz="1800" dirty="0"/>
               <a:t>JSON – </a:t>
@@ -11952,6 +14041,15 @@
 </file>
 
 <file path=customXml/item1.xml><?xml version="1.0" encoding="utf-8"?>
+<?mso-contentType ?>
+<FormTemplates xmlns="http://schemas.microsoft.com/sharepoint/v3/contenttype/forms">
+  <Display>DocumentLibraryForm</Display>
+  <Edit>AssetEditForm</Edit>
+  <New>DocumentLibraryForm</New>
+</FormTemplates>
+</file>
+
+<file path=customXml/item2.xml><?xml version="1.0" encoding="utf-8"?>
 <p:properties xmlns:p="http://schemas.microsoft.com/office/2006/metadata/properties" xmlns:xsi="http://www.w3.org/2001/XMLSchema-instance" xmlns:pc="http://schemas.microsoft.com/office/infopath/2007/PartnerControls">
   <documentManagement>
     <ApprovalStatus xmlns="9d035d7d-02e5-4a00-8b62-9a556aabc7b5">ApprovedAutomatic</ApprovalStatus>
@@ -12091,15 +14189,6 @@
     <LocMarketGroupTiers2 xmlns="9d035d7d-02e5-4a00-8b62-9a556aabc7b5" xsi:nil="true"/>
   </documentManagement>
 </p:properties>
-</file>
-
-<file path=customXml/item2.xml><?xml version="1.0" encoding="utf-8"?>
-<?mso-contentType ?>
-<FormTemplates xmlns="http://schemas.microsoft.com/sharepoint/v3/contenttype/forms">
-  <Display>DocumentLibraryForm</Display>
-  <Edit>AssetEditForm</Edit>
-  <New>DocumentLibraryForm</New>
-</FormTemplates>
 </file>
 
 <file path=customXml/item3.xml><?xml version="1.0" encoding="utf-8"?>
@@ -13162,20 +15251,20 @@
 </file>
 
 <file path=customXml/itemProps1.xml><?xml version="1.0" encoding="utf-8"?>
+<ds:datastoreItem xmlns:ds="http://schemas.openxmlformats.org/officeDocument/2006/customXml" ds:itemID="{3CD8A182-3E0F-4B2D-9AB8-F1FAC7E5C1D2}">
+  <ds:schemaRefs>
+    <ds:schemaRef ds:uri="http://schemas.microsoft.com/sharepoint/v3/contenttype/forms"/>
+  </ds:schemaRefs>
+</ds:datastoreItem>
+</file>
+
+<file path=customXml/itemProps2.xml><?xml version="1.0" encoding="utf-8"?>
 <ds:datastoreItem xmlns:ds="http://schemas.openxmlformats.org/officeDocument/2006/customXml" ds:itemID="{713C5855-5ADF-49A7-824A-98B770EBFD1B}">
   <ds:schemaRefs>
     <ds:schemaRef ds:uri="http://schemas.microsoft.com/office/2006/metadata/properties"/>
     <ds:schemaRef ds:uri="http://schemas.microsoft.com/office/infopath/2007/PartnerControls"/>
     <ds:schemaRef ds:uri="9d035d7d-02e5-4a00-8b62-9a556aabc7b5"/>
     <ds:schemaRef ds:uri="91e8d559-4d54-460d-ba58-5d5027f88b4d"/>
-  </ds:schemaRefs>
-</ds:datastoreItem>
-</file>
-
-<file path=customXml/itemProps2.xml><?xml version="1.0" encoding="utf-8"?>
-<ds:datastoreItem xmlns:ds="http://schemas.openxmlformats.org/officeDocument/2006/customXml" ds:itemID="{3CD8A182-3E0F-4B2D-9AB8-F1FAC7E5C1D2}">
-  <ds:schemaRefs>
-    <ds:schemaRef ds:uri="http://schemas.microsoft.com/sharepoint/v3/contenttype/forms"/>
   </ds:schemaRefs>
 </ds:datastoreItem>
 </file>
